--- a/Day_3/Lectures/Day_3_Lecture_Feature_Engineering_Scaling_Selection.pptx
+++ b/Day_3/Lectures/Day_3_Lecture_Feature_Engineering_Scaling_Selection.pptx
@@ -24442,9 +24442,9 @@
 </file>
 
 <file path=ppt/theme/theme1.xml><?xml version="1.0" encoding="utf-8"?>
-<a:theme xmlns:a="http://schemas.openxmlformats.org/drawingml/2006/main" xmlns:r="http://schemas.openxmlformats.org/officeDocument/2006/relationships">
+<a:theme xmlns:a="http://schemas.openxmlformats.org/drawingml/2006/main" xmlns:r="http://schemas.openxmlformats.org/officeDocument/2006/relationships" name="Simple Light">
   <a:themeElements>
-    <a:clrScheme name="Default">
+    <a:clrScheme name="Simple Light">
       <a:dk1>
         <a:srgbClr val="000000"/>
       </a:dk1>
@@ -24452,34 +24452,34 @@
         <a:srgbClr val="FFFFFF"/>
       </a:lt1>
       <a:dk2>
-        <a:srgbClr val="158158"/>
+        <a:srgbClr val="595959"/>
       </a:dk2>
       <a:lt2>
-        <a:srgbClr val="F3F3F3"/>
+        <a:srgbClr val="EEEEEE"/>
       </a:lt2>
       <a:accent1>
-        <a:srgbClr val="058DC7"/>
+        <a:srgbClr val="4285F4"/>
       </a:accent1>
       <a:accent2>
-        <a:srgbClr val="50B432"/>
+        <a:srgbClr val="212121"/>
       </a:accent2>
       <a:accent3>
-        <a:srgbClr val="ED561B"/>
+        <a:srgbClr val="78909C"/>
       </a:accent3>
       <a:accent4>
-        <a:srgbClr val="EDEF00"/>
+        <a:srgbClr val="FFAB40"/>
       </a:accent4>
       <a:accent5>
-        <a:srgbClr val="24CBE5"/>
+        <a:srgbClr val="0097A7"/>
       </a:accent5>
       <a:accent6>
-        <a:srgbClr val="64E572"/>
+        <a:srgbClr val="EEFF41"/>
       </a:accent6>
       <a:hlink>
-        <a:srgbClr val="2200CC"/>
+        <a:srgbClr val="0097A7"/>
       </a:hlink>
       <a:folHlink>
-        <a:srgbClr val="551A8B"/>
+        <a:srgbClr val="0097A7"/>
       </a:folHlink>
     </a:clrScheme>
     <a:fontScheme name="Office">
@@ -24721,9 +24721,9 @@
 </file>
 
 <file path=ppt/theme/theme2.xml><?xml version="1.0" encoding="utf-8"?>
-<a:theme xmlns:a="http://schemas.openxmlformats.org/drawingml/2006/main" xmlns:r="http://schemas.openxmlformats.org/officeDocument/2006/relationships" name="Simple Light">
+<a:theme xmlns:a="http://schemas.openxmlformats.org/drawingml/2006/main" xmlns:r="http://schemas.openxmlformats.org/officeDocument/2006/relationships">
   <a:themeElements>
-    <a:clrScheme name="Simple Light">
+    <a:clrScheme name="Default">
       <a:dk1>
         <a:srgbClr val="000000"/>
       </a:dk1>
@@ -24731,34 +24731,34 @@
         <a:srgbClr val="FFFFFF"/>
       </a:lt1>
       <a:dk2>
-        <a:srgbClr val="595959"/>
+        <a:srgbClr val="158158"/>
       </a:dk2>
       <a:lt2>
-        <a:srgbClr val="EEEEEE"/>
+        <a:srgbClr val="F3F3F3"/>
       </a:lt2>
       <a:accent1>
-        <a:srgbClr val="4285F4"/>
+        <a:srgbClr val="058DC7"/>
       </a:accent1>
       <a:accent2>
-        <a:srgbClr val="212121"/>
+        <a:srgbClr val="50B432"/>
       </a:accent2>
       <a:accent3>
-        <a:srgbClr val="78909C"/>
+        <a:srgbClr val="ED561B"/>
       </a:accent3>
       <a:accent4>
-        <a:srgbClr val="FFAB40"/>
+        <a:srgbClr val="EDEF00"/>
       </a:accent4>
       <a:accent5>
-        <a:srgbClr val="0097A7"/>
+        <a:srgbClr val="24CBE5"/>
       </a:accent5>
       <a:accent6>
-        <a:srgbClr val="EEFF41"/>
+        <a:srgbClr val="64E572"/>
       </a:accent6>
       <a:hlink>
-        <a:srgbClr val="0097A7"/>
+        <a:srgbClr val="2200CC"/>
       </a:hlink>
       <a:folHlink>
-        <a:srgbClr val="0097A7"/>
+        <a:srgbClr val="551A8B"/>
       </a:folHlink>
     </a:clrScheme>
     <a:fontScheme name="Office">

--- a/Day_3/Lectures/Day_3_Lecture_Feature_Engineering_Scaling_Selection.pptx
+++ b/Day_3/Lectures/Day_3_Lecture_Feature_Engineering_Scaling_Selection.pptx
@@ -1355,7 +1355,7 @@
   <p:cSld>
     <p:spTree>
       <p:nvGrpSpPr>
-        <p:cNvPr id="208" name="Shape 208"/>
+        <p:cNvPr id="209" name="Shape 209"/>
         <p:cNvGrpSpPr/>
         <p:nvPr/>
       </p:nvGrpSpPr>
@@ -1369,7 +1369,7 @@
       </p:grpSpPr>
       <p:sp>
         <p:nvSpPr>
-          <p:cNvPr id="209" name="Google Shape;209;g12c52d59078_0_0:notes"/>
+          <p:cNvPr id="210" name="Google Shape;210;g12c52d59078_0_0:notes"/>
           <p:cNvSpPr/>
           <p:nvPr>
             <p:ph idx="2" type="sldImg"/>
@@ -1404,7 +1404,7 @@
       </p:sp>
       <p:sp>
         <p:nvSpPr>
-          <p:cNvPr id="210" name="Google Shape;210;g12c52d59078_0_0:notes"/>
+          <p:cNvPr id="211" name="Google Shape;211;g12c52d59078_0_0:notes"/>
           <p:cNvSpPr txBox="1"/>
           <p:nvPr>
             <p:ph idx="1" type="body"/>
@@ -1454,7 +1454,7 @@
   <p:cSld>
     <p:spTree>
       <p:nvGrpSpPr>
-        <p:cNvPr id="218" name="Shape 218"/>
+        <p:cNvPr id="219" name="Shape 219"/>
         <p:cNvGrpSpPr/>
         <p:nvPr/>
       </p:nvGrpSpPr>
@@ -1468,7 +1468,7 @@
       </p:grpSpPr>
       <p:sp>
         <p:nvSpPr>
-          <p:cNvPr id="219" name="Google Shape;219;g12c52d59078_0_8:notes"/>
+          <p:cNvPr id="220" name="Google Shape;220;g12c52d59078_0_8:notes"/>
           <p:cNvSpPr/>
           <p:nvPr>
             <p:ph idx="2" type="sldImg"/>
@@ -1503,7 +1503,7 @@
       </p:sp>
       <p:sp>
         <p:nvSpPr>
-          <p:cNvPr id="220" name="Google Shape;220;g12c52d59078_0_8:notes"/>
+          <p:cNvPr id="221" name="Google Shape;221;g12c52d59078_0_8:notes"/>
           <p:cNvSpPr txBox="1"/>
           <p:nvPr>
             <p:ph idx="1" type="body"/>
@@ -1652,7 +1652,7 @@
   <p:cSld>
     <p:spTree>
       <p:nvGrpSpPr>
-        <p:cNvPr id="232" name="Shape 232"/>
+        <p:cNvPr id="233" name="Shape 233"/>
         <p:cNvGrpSpPr/>
         <p:nvPr/>
       </p:nvGrpSpPr>
@@ -1666,7 +1666,7 @@
       </p:grpSpPr>
       <p:sp>
         <p:nvSpPr>
-          <p:cNvPr id="233" name="Google Shape;233;g12c52d59078_0_26:notes"/>
+          <p:cNvPr id="234" name="Google Shape;234;g12c52d59078_0_26:notes"/>
           <p:cNvSpPr/>
           <p:nvPr>
             <p:ph idx="2" type="sldImg"/>
@@ -1701,7 +1701,7 @@
       </p:sp>
       <p:sp>
         <p:nvSpPr>
-          <p:cNvPr id="234" name="Google Shape;234;g12c52d59078_0_26:notes"/>
+          <p:cNvPr id="235" name="Google Shape;235;g12c52d59078_0_26:notes"/>
           <p:cNvSpPr txBox="1"/>
           <p:nvPr>
             <p:ph idx="1" type="body"/>
@@ -1751,7 +1751,7 @@
   <p:cSld>
     <p:spTree>
       <p:nvGrpSpPr>
-        <p:cNvPr id="246" name="Shape 246"/>
+        <p:cNvPr id="248" name="Shape 248"/>
         <p:cNvGrpSpPr/>
         <p:nvPr/>
       </p:nvGrpSpPr>
@@ -1765,7 +1765,7 @@
       </p:grpSpPr>
       <p:sp>
         <p:nvSpPr>
-          <p:cNvPr id="247" name="Google Shape;247;g12c52d59078_0_33:notes"/>
+          <p:cNvPr id="249" name="Google Shape;249;g12c52d59078_0_33:notes"/>
           <p:cNvSpPr/>
           <p:nvPr>
             <p:ph idx="2" type="sldImg"/>
@@ -1800,7 +1800,7 @@
       </p:sp>
       <p:sp>
         <p:nvSpPr>
-          <p:cNvPr id="248" name="Google Shape;248;g12c52d59078_0_33:notes"/>
+          <p:cNvPr id="250" name="Google Shape;250;g12c52d59078_0_33:notes"/>
           <p:cNvSpPr txBox="1"/>
           <p:nvPr>
             <p:ph idx="1" type="body"/>
@@ -1850,7 +1850,7 @@
   <p:cSld>
     <p:spTree>
       <p:nvGrpSpPr>
-        <p:cNvPr id="260" name="Shape 260"/>
+        <p:cNvPr id="263" name="Shape 263"/>
         <p:cNvGrpSpPr/>
         <p:nvPr/>
       </p:nvGrpSpPr>
@@ -1864,7 +1864,7 @@
       </p:grpSpPr>
       <p:sp>
         <p:nvSpPr>
-          <p:cNvPr id="261" name="Google Shape;261;g110821d2d52_0_79:notes"/>
+          <p:cNvPr id="264" name="Google Shape;264;g110821d2d52_0_79:notes"/>
           <p:cNvSpPr/>
           <p:nvPr>
             <p:ph idx="2" type="sldImg"/>
@@ -1899,7 +1899,7 @@
       </p:sp>
       <p:sp>
         <p:nvSpPr>
-          <p:cNvPr id="262" name="Google Shape;262;g110821d2d52_0_79:notes"/>
+          <p:cNvPr id="265" name="Google Shape;265;g110821d2d52_0_79:notes"/>
           <p:cNvSpPr txBox="1"/>
           <p:nvPr>
             <p:ph idx="1" type="body"/>
@@ -1949,7 +1949,7 @@
   <p:cSld>
     <p:spTree>
       <p:nvGrpSpPr>
-        <p:cNvPr id="268" name="Shape 268"/>
+        <p:cNvPr id="271" name="Shape 271"/>
         <p:cNvGrpSpPr/>
         <p:nvPr/>
       </p:nvGrpSpPr>
@@ -1963,7 +1963,7 @@
       </p:grpSpPr>
       <p:sp>
         <p:nvSpPr>
-          <p:cNvPr id="269" name="Google Shape;269;g12c52d59078_0_68:notes"/>
+          <p:cNvPr id="272" name="Google Shape;272;g12c52d59078_0_68:notes"/>
           <p:cNvSpPr/>
           <p:nvPr>
             <p:ph idx="2" type="sldImg"/>
@@ -1998,7 +1998,7 @@
       </p:sp>
       <p:sp>
         <p:nvSpPr>
-          <p:cNvPr id="270" name="Google Shape;270;g12c52d59078_0_68:notes"/>
+          <p:cNvPr id="273" name="Google Shape;273;g12c52d59078_0_68:notes"/>
           <p:cNvSpPr txBox="1"/>
           <p:nvPr>
             <p:ph idx="1" type="body"/>
@@ -2048,7 +2048,7 @@
   <p:cSld>
     <p:spTree>
       <p:nvGrpSpPr>
-        <p:cNvPr id="276" name="Shape 276"/>
+        <p:cNvPr id="279" name="Shape 279"/>
         <p:cNvGrpSpPr/>
         <p:nvPr/>
       </p:nvGrpSpPr>
@@ -2062,7 +2062,7 @@
       </p:grpSpPr>
       <p:sp>
         <p:nvSpPr>
-          <p:cNvPr id="277" name="Google Shape;277;g12c52d59078_0_47:notes"/>
+          <p:cNvPr id="280" name="Google Shape;280;g12c52d59078_0_47:notes"/>
           <p:cNvSpPr/>
           <p:nvPr>
             <p:ph idx="2" type="sldImg"/>
@@ -2097,7 +2097,7 @@
       </p:sp>
       <p:sp>
         <p:nvSpPr>
-          <p:cNvPr id="278" name="Google Shape;278;g12c52d59078_0_47:notes"/>
+          <p:cNvPr id="281" name="Google Shape;281;g12c52d59078_0_47:notes"/>
           <p:cNvSpPr txBox="1"/>
           <p:nvPr>
             <p:ph idx="1" type="body"/>
@@ -2246,7 +2246,7 @@
   <p:cSld>
     <p:spTree>
       <p:nvGrpSpPr>
-        <p:cNvPr id="284" name="Shape 284"/>
+        <p:cNvPr id="287" name="Shape 287"/>
         <p:cNvGrpSpPr/>
         <p:nvPr/>
       </p:nvGrpSpPr>
@@ -2260,7 +2260,7 @@
       </p:grpSpPr>
       <p:sp>
         <p:nvSpPr>
-          <p:cNvPr id="285" name="Google Shape;285;g110821d2d52_0_94:notes"/>
+          <p:cNvPr id="288" name="Google Shape;288;g110821d2d52_0_94:notes"/>
           <p:cNvSpPr/>
           <p:nvPr>
             <p:ph idx="2" type="sldImg"/>
@@ -2295,7 +2295,7 @@
       </p:sp>
       <p:sp>
         <p:nvSpPr>
-          <p:cNvPr id="286" name="Google Shape;286;g110821d2d52_0_94:notes"/>
+          <p:cNvPr id="289" name="Google Shape;289;g110821d2d52_0_94:notes"/>
           <p:cNvSpPr txBox="1"/>
           <p:nvPr>
             <p:ph idx="1" type="body"/>
@@ -2345,7 +2345,7 @@
   <p:cSld>
     <p:spTree>
       <p:nvGrpSpPr>
-        <p:cNvPr id="292" name="Shape 292"/>
+        <p:cNvPr id="295" name="Shape 295"/>
         <p:cNvGrpSpPr/>
         <p:nvPr/>
       </p:nvGrpSpPr>
@@ -2359,7 +2359,7 @@
       </p:grpSpPr>
       <p:sp>
         <p:nvSpPr>
-          <p:cNvPr id="293" name="Google Shape;293;g12c52d59078_0_75:notes"/>
+          <p:cNvPr id="296" name="Google Shape;296;g12c52d59078_0_75:notes"/>
           <p:cNvSpPr/>
           <p:nvPr>
             <p:ph idx="2" type="sldImg"/>
@@ -2394,7 +2394,7 @@
       </p:sp>
       <p:sp>
         <p:nvSpPr>
-          <p:cNvPr id="294" name="Google Shape;294;g12c52d59078_0_75:notes"/>
+          <p:cNvPr id="297" name="Google Shape;297;g12c52d59078_0_75:notes"/>
           <p:cNvSpPr txBox="1"/>
           <p:nvPr>
             <p:ph idx="1" type="body"/>
@@ -2444,7 +2444,7 @@
   <p:cSld>
     <p:spTree>
       <p:nvGrpSpPr>
-        <p:cNvPr id="302" name="Shape 302"/>
+        <p:cNvPr id="305" name="Shape 305"/>
         <p:cNvGrpSpPr/>
         <p:nvPr/>
       </p:nvGrpSpPr>
@@ -2458,7 +2458,7 @@
       </p:grpSpPr>
       <p:sp>
         <p:nvSpPr>
-          <p:cNvPr id="303" name="Google Shape;303;g12c52d59078_0_84:notes"/>
+          <p:cNvPr id="306" name="Google Shape;306;g12c52d59078_0_84:notes"/>
           <p:cNvSpPr/>
           <p:nvPr>
             <p:ph idx="2" type="sldImg"/>
@@ -2493,7 +2493,7 @@
       </p:sp>
       <p:sp>
         <p:nvSpPr>
-          <p:cNvPr id="304" name="Google Shape;304;g12c52d59078_0_84:notes"/>
+          <p:cNvPr id="307" name="Google Shape;307;g12c52d59078_0_84:notes"/>
           <p:cNvSpPr txBox="1"/>
           <p:nvPr>
             <p:ph idx="1" type="body"/>
@@ -2543,7 +2543,7 @@
   <p:cSld>
     <p:spTree>
       <p:nvGrpSpPr>
-        <p:cNvPr id="310" name="Shape 310"/>
+        <p:cNvPr id="313" name="Shape 313"/>
         <p:cNvGrpSpPr/>
         <p:nvPr/>
       </p:nvGrpSpPr>
@@ -2557,7 +2557,7 @@
       </p:grpSpPr>
       <p:sp>
         <p:nvSpPr>
-          <p:cNvPr id="311" name="Google Shape;311;g12c52d59078_0_93:notes"/>
+          <p:cNvPr id="314" name="Google Shape;314;g12c52d59078_0_93:notes"/>
           <p:cNvSpPr/>
           <p:nvPr>
             <p:ph idx="2" type="sldImg"/>
@@ -2592,7 +2592,7 @@
       </p:sp>
       <p:sp>
         <p:nvSpPr>
-          <p:cNvPr id="312" name="Google Shape;312;g12c52d59078_0_93:notes"/>
+          <p:cNvPr id="315" name="Google Shape;315;g12c52d59078_0_93:notes"/>
           <p:cNvSpPr txBox="1"/>
           <p:nvPr>
             <p:ph idx="1" type="body"/>
@@ -2642,7 +2642,7 @@
   <p:cSld>
     <p:spTree>
       <p:nvGrpSpPr>
-        <p:cNvPr id="318" name="Shape 318"/>
+        <p:cNvPr id="321" name="Shape 321"/>
         <p:cNvGrpSpPr/>
         <p:nvPr/>
       </p:nvGrpSpPr>
@@ -2656,7 +2656,7 @@
       </p:grpSpPr>
       <p:sp>
         <p:nvSpPr>
-          <p:cNvPr id="319" name="Google Shape;319;g110821d2d52_0_100:notes"/>
+          <p:cNvPr id="322" name="Google Shape;322;g110821d2d52_0_100:notes"/>
           <p:cNvSpPr/>
           <p:nvPr>
             <p:ph idx="2" type="sldImg"/>
@@ -2691,7 +2691,7 @@
       </p:sp>
       <p:sp>
         <p:nvSpPr>
-          <p:cNvPr id="320" name="Google Shape;320;g110821d2d52_0_100:notes"/>
+          <p:cNvPr id="323" name="Google Shape;323;g110821d2d52_0_100:notes"/>
           <p:cNvSpPr txBox="1"/>
           <p:nvPr>
             <p:ph idx="1" type="body"/>
@@ -2741,7 +2741,7 @@
   <p:cSld>
     <p:spTree>
       <p:nvGrpSpPr>
-        <p:cNvPr id="326" name="Shape 326"/>
+        <p:cNvPr id="329" name="Shape 329"/>
         <p:cNvGrpSpPr/>
         <p:nvPr/>
       </p:nvGrpSpPr>
@@ -2755,7 +2755,7 @@
       </p:grpSpPr>
       <p:sp>
         <p:nvSpPr>
-          <p:cNvPr id="327" name="Google Shape;327;g110821d2d52_0_106:notes"/>
+          <p:cNvPr id="330" name="Google Shape;330;g110821d2d52_0_106:notes"/>
           <p:cNvSpPr/>
           <p:nvPr>
             <p:ph idx="2" type="sldImg"/>
@@ -2790,7 +2790,7 @@
       </p:sp>
       <p:sp>
         <p:nvSpPr>
-          <p:cNvPr id="328" name="Google Shape;328;g110821d2d52_0_106:notes"/>
+          <p:cNvPr id="331" name="Google Shape;331;g110821d2d52_0_106:notes"/>
           <p:cNvSpPr txBox="1"/>
           <p:nvPr>
             <p:ph idx="1" type="body"/>
@@ -2840,7 +2840,7 @@
   <p:cSld>
     <p:spTree>
       <p:nvGrpSpPr>
-        <p:cNvPr id="334" name="Shape 334"/>
+        <p:cNvPr id="337" name="Shape 337"/>
         <p:cNvGrpSpPr/>
         <p:nvPr/>
       </p:nvGrpSpPr>
@@ -2854,7 +2854,7 @@
       </p:grpSpPr>
       <p:sp>
         <p:nvSpPr>
-          <p:cNvPr id="335" name="Google Shape;335;g11c0f1a12b6_0_11:notes"/>
+          <p:cNvPr id="338" name="Google Shape;338;g11c0f1a12b6_0_11:notes"/>
           <p:cNvSpPr/>
           <p:nvPr>
             <p:ph idx="2" type="sldImg"/>
@@ -2889,7 +2889,7 @@
       </p:sp>
       <p:sp>
         <p:nvSpPr>
-          <p:cNvPr id="336" name="Google Shape;336;g11c0f1a12b6_0_11:notes"/>
+          <p:cNvPr id="339" name="Google Shape;339;g11c0f1a12b6_0_11:notes"/>
           <p:cNvSpPr txBox="1"/>
           <p:nvPr>
             <p:ph idx="1" type="body"/>
@@ -2939,7 +2939,7 @@
   <p:cSld>
     <p:spTree>
       <p:nvGrpSpPr>
-        <p:cNvPr id="343" name="Shape 343"/>
+        <p:cNvPr id="346" name="Shape 346"/>
         <p:cNvGrpSpPr/>
         <p:nvPr/>
       </p:nvGrpSpPr>
@@ -2953,7 +2953,7 @@
       </p:grpSpPr>
       <p:sp>
         <p:nvSpPr>
-          <p:cNvPr id="344" name="Google Shape;344;g110821d2d52_0_112:notes"/>
+          <p:cNvPr id="347" name="Google Shape;347;g110821d2d52_0_112:notes"/>
           <p:cNvSpPr/>
           <p:nvPr>
             <p:ph idx="2" type="sldImg"/>
@@ -2988,7 +2988,7 @@
       </p:sp>
       <p:sp>
         <p:nvSpPr>
-          <p:cNvPr id="345" name="Google Shape;345;g110821d2d52_0_112:notes"/>
+          <p:cNvPr id="348" name="Google Shape;348;g110821d2d52_0_112:notes"/>
           <p:cNvSpPr txBox="1"/>
           <p:nvPr>
             <p:ph idx="1" type="body"/>
@@ -3112,7 +3112,7 @@
   <p:cSld>
     <p:spTree>
       <p:nvGrpSpPr>
-        <p:cNvPr id="354" name="Shape 354"/>
+        <p:cNvPr id="357" name="Shape 357"/>
         <p:cNvGrpSpPr/>
         <p:nvPr/>
       </p:nvGrpSpPr>
@@ -3126,7 +3126,7 @@
       </p:grpSpPr>
       <p:sp>
         <p:nvSpPr>
-          <p:cNvPr id="355" name="Google Shape;355;g11b83a9f343_0_126:notes"/>
+          <p:cNvPr id="358" name="Google Shape;358;g11b83a9f343_0_126:notes"/>
           <p:cNvSpPr/>
           <p:nvPr>
             <p:ph idx="2" type="sldImg"/>
@@ -3161,7 +3161,7 @@
       </p:sp>
       <p:sp>
         <p:nvSpPr>
-          <p:cNvPr id="356" name="Google Shape;356;g11b83a9f343_0_126:notes"/>
+          <p:cNvPr id="359" name="Google Shape;359;g11b83a9f343_0_126:notes"/>
           <p:cNvSpPr txBox="1"/>
           <p:nvPr>
             <p:ph idx="1" type="body"/>
@@ -3211,7 +3211,7 @@
   <p:cSld>
     <p:spTree>
       <p:nvGrpSpPr>
-        <p:cNvPr id="364" name="Shape 364"/>
+        <p:cNvPr id="367" name="Shape 367"/>
         <p:cNvGrpSpPr/>
         <p:nvPr/>
       </p:nvGrpSpPr>
@@ -3225,7 +3225,7 @@
       </p:grpSpPr>
       <p:sp>
         <p:nvSpPr>
-          <p:cNvPr id="365" name="Google Shape;365;g11b83a9f343_0_138:notes"/>
+          <p:cNvPr id="368" name="Google Shape;368;g11b83a9f343_0_138:notes"/>
           <p:cNvSpPr/>
           <p:nvPr>
             <p:ph idx="2" type="sldImg"/>
@@ -3260,7 +3260,7 @@
       </p:sp>
       <p:sp>
         <p:nvSpPr>
-          <p:cNvPr id="366" name="Google Shape;366;g11b83a9f343_0_138:notes"/>
+          <p:cNvPr id="369" name="Google Shape;369;g11b83a9f343_0_138:notes"/>
           <p:cNvSpPr txBox="1"/>
           <p:nvPr>
             <p:ph idx="1" type="body"/>
@@ -3409,7 +3409,7 @@
   <p:cSld>
     <p:spTree>
       <p:nvGrpSpPr>
-        <p:cNvPr id="374" name="Shape 374"/>
+        <p:cNvPr id="377" name="Shape 377"/>
         <p:cNvGrpSpPr/>
         <p:nvPr/>
       </p:nvGrpSpPr>
@@ -3423,7 +3423,7 @@
       </p:grpSpPr>
       <p:sp>
         <p:nvSpPr>
-          <p:cNvPr id="375" name="Google Shape;375;g11b83a9f343_0_152:notes"/>
+          <p:cNvPr id="378" name="Google Shape;378;g11b83a9f343_0_152:notes"/>
           <p:cNvSpPr/>
           <p:nvPr>
             <p:ph idx="2" type="sldImg"/>
@@ -3458,7 +3458,7 @@
       </p:sp>
       <p:sp>
         <p:nvSpPr>
-          <p:cNvPr id="376" name="Google Shape;376;g11b83a9f343_0_152:notes"/>
+          <p:cNvPr id="379" name="Google Shape;379;g11b83a9f343_0_152:notes"/>
           <p:cNvSpPr txBox="1"/>
           <p:nvPr>
             <p:ph idx="1" type="body"/>
@@ -3508,7 +3508,7 @@
   <p:cSld>
     <p:spTree>
       <p:nvGrpSpPr>
-        <p:cNvPr id="384" name="Shape 384"/>
+        <p:cNvPr id="387" name="Shape 387"/>
         <p:cNvGrpSpPr/>
         <p:nvPr/>
       </p:nvGrpSpPr>
@@ -3522,7 +3522,7 @@
       </p:grpSpPr>
       <p:sp>
         <p:nvSpPr>
-          <p:cNvPr id="385" name="Google Shape;385;g11c0f1a12b6_0_27:notes"/>
+          <p:cNvPr id="388" name="Google Shape;388;g11c0f1a12b6_0_27:notes"/>
           <p:cNvSpPr/>
           <p:nvPr>
             <p:ph idx="2" type="sldImg"/>
@@ -3557,7 +3557,7 @@
       </p:sp>
       <p:sp>
         <p:nvSpPr>
-          <p:cNvPr id="386" name="Google Shape;386;g11c0f1a12b6_0_27:notes"/>
+          <p:cNvPr id="389" name="Google Shape;389;g11c0f1a12b6_0_27:notes"/>
           <p:cNvSpPr txBox="1"/>
           <p:nvPr>
             <p:ph idx="1" type="body"/>
@@ -3607,7 +3607,7 @@
   <p:cSld>
     <p:spTree>
       <p:nvGrpSpPr>
-        <p:cNvPr id="393" name="Shape 393"/>
+        <p:cNvPr id="396" name="Shape 396"/>
         <p:cNvGrpSpPr/>
         <p:nvPr/>
       </p:nvGrpSpPr>
@@ -3621,7 +3621,7 @@
       </p:grpSpPr>
       <p:sp>
         <p:nvSpPr>
-          <p:cNvPr id="394" name="Google Shape;394;g110821d2d52_0_118:notes"/>
+          <p:cNvPr id="397" name="Google Shape;397;g110821d2d52_0_118:notes"/>
           <p:cNvSpPr/>
           <p:nvPr>
             <p:ph idx="2" type="sldImg"/>
@@ -3656,7 +3656,7 @@
       </p:sp>
       <p:sp>
         <p:nvSpPr>
-          <p:cNvPr id="395" name="Google Shape;395;g110821d2d52_0_118:notes"/>
+          <p:cNvPr id="398" name="Google Shape;398;g110821d2d52_0_118:notes"/>
           <p:cNvSpPr txBox="1"/>
           <p:nvPr>
             <p:ph idx="1" type="body"/>
@@ -3706,7 +3706,7 @@
   <p:cSld>
     <p:spTree>
       <p:nvGrpSpPr>
-        <p:cNvPr id="402" name="Shape 402"/>
+        <p:cNvPr id="405" name="Shape 405"/>
         <p:cNvGrpSpPr/>
         <p:nvPr/>
       </p:nvGrpSpPr>
@@ -3720,7 +3720,7 @@
       </p:grpSpPr>
       <p:sp>
         <p:nvSpPr>
-          <p:cNvPr id="403" name="Google Shape;403;g12c52d59078_0_101:notes"/>
+          <p:cNvPr id="406" name="Google Shape;406;g12c52d59078_0_101:notes"/>
           <p:cNvSpPr/>
           <p:nvPr>
             <p:ph idx="2" type="sldImg"/>
@@ -3755,7 +3755,7 @@
       </p:sp>
       <p:sp>
         <p:nvSpPr>
-          <p:cNvPr id="404" name="Google Shape;404;g12c52d59078_0_101:notes"/>
+          <p:cNvPr id="407" name="Google Shape;407;g12c52d59078_0_101:notes"/>
           <p:cNvSpPr txBox="1"/>
           <p:nvPr>
             <p:ph idx="1" type="body"/>
@@ -3805,7 +3805,7 @@
   <p:cSld>
     <p:spTree>
       <p:nvGrpSpPr>
-        <p:cNvPr id="410" name="Shape 410"/>
+        <p:cNvPr id="413" name="Shape 413"/>
         <p:cNvGrpSpPr/>
         <p:nvPr/>
       </p:nvGrpSpPr>
@@ -3819,7 +3819,7 @@
       </p:grpSpPr>
       <p:sp>
         <p:nvSpPr>
-          <p:cNvPr id="411" name="Google Shape;411;g11ba4d756e5_0_0:notes"/>
+          <p:cNvPr id="414" name="Google Shape;414;g11ba4d756e5_0_0:notes"/>
           <p:cNvSpPr/>
           <p:nvPr>
             <p:ph idx="2" type="sldImg"/>
@@ -3854,7 +3854,7 @@
       </p:sp>
       <p:sp>
         <p:nvSpPr>
-          <p:cNvPr id="412" name="Google Shape;412;g11ba4d756e5_0_0:notes"/>
+          <p:cNvPr id="415" name="Google Shape;415;g11ba4d756e5_0_0:notes"/>
           <p:cNvSpPr txBox="1"/>
           <p:nvPr>
             <p:ph idx="1" type="body"/>
@@ -3904,7 +3904,7 @@
   <p:cSld>
     <p:spTree>
       <p:nvGrpSpPr>
-        <p:cNvPr id="429" name="Shape 429"/>
+        <p:cNvPr id="432" name="Shape 432"/>
         <p:cNvGrpSpPr/>
         <p:nvPr/>
       </p:nvGrpSpPr>
@@ -3918,7 +3918,7 @@
       </p:grpSpPr>
       <p:sp>
         <p:nvSpPr>
-          <p:cNvPr id="430" name="Google Shape;430;g110cd4518f6_0_0:notes"/>
+          <p:cNvPr id="433" name="Google Shape;433;g110cd4518f6_0_0:notes"/>
           <p:cNvSpPr/>
           <p:nvPr>
             <p:ph idx="2" type="sldImg"/>
@@ -3953,7 +3953,7 @@
       </p:sp>
       <p:sp>
         <p:nvSpPr>
-          <p:cNvPr id="431" name="Google Shape;431;g110cd4518f6_0_0:notes"/>
+          <p:cNvPr id="434" name="Google Shape;434;g110cd4518f6_0_0:notes"/>
           <p:cNvSpPr txBox="1"/>
           <p:nvPr>
             <p:ph idx="1" type="body"/>
@@ -15705,6 +15705,58 @@
           </a:p>
         </p:txBody>
       </p:sp>
+      <p:sp>
+        <p:nvSpPr>
+          <p:cNvPr id="208" name="Google Shape;208;p36"/>
+          <p:cNvSpPr txBox="1"/>
+          <p:nvPr/>
+        </p:nvSpPr>
+        <p:spPr>
+          <a:xfrm>
+            <a:off x="6536850" y="3128650"/>
+            <a:ext cx="2537100" cy="307800"/>
+          </a:xfrm>
+          <a:prstGeom prst="rect">
+            <a:avLst/>
+          </a:prstGeom>
+          <a:noFill/>
+          <a:ln>
+            <a:noFill/>
+          </a:ln>
+        </p:spPr>
+        <p:txBody>
+          <a:bodyPr anchorCtr="0" anchor="t" bIns="91425" lIns="91425" spcFirstLastPara="1" rIns="91425" wrap="square" tIns="91425">
+            <a:spAutoFit/>
+          </a:bodyPr>
+          <a:lstStyle/>
+          <a:p>
+            <a:pPr indent="0" lvl="0" marL="0" rtl="0" algn="r">
+              <a:spcBef>
+                <a:spcPts val="0"/>
+              </a:spcBef>
+              <a:spcAft>
+                <a:spcPts val="0"/>
+              </a:spcAft>
+              <a:buNone/>
+            </a:pPr>
+            <a:r>
+              <a:rPr i="1" lang="en" sz="800">
+                <a:latin typeface="Roboto"/>
+                <a:ea typeface="Roboto"/>
+                <a:cs typeface="Roboto"/>
+                <a:sym typeface="Roboto"/>
+              </a:rPr>
+              <a:t>Created in Canva  by C. Arighi</a:t>
+            </a:r>
+            <a:endParaRPr i="1" sz="800">
+              <a:latin typeface="Roboto"/>
+              <a:ea typeface="Roboto"/>
+              <a:cs typeface="Roboto"/>
+              <a:sym typeface="Roboto"/>
+            </a:endParaRPr>
+          </a:p>
+        </p:txBody>
+      </p:sp>
     </p:spTree>
   </p:cSld>
   <p:clrMapOvr>
@@ -15718,7 +15770,7 @@
   <p:cSld>
     <p:spTree>
       <p:nvGrpSpPr>
-        <p:cNvPr id="211" name="Shape 211"/>
+        <p:cNvPr id="212" name="Shape 212"/>
         <p:cNvGrpSpPr/>
         <p:nvPr/>
       </p:nvGrpSpPr>
@@ -15732,7 +15784,7 @@
       </p:grpSpPr>
       <p:pic>
         <p:nvPicPr>
-          <p:cNvPr id="212" name="Google Shape;212;p37"/>
+          <p:cNvPr id="213" name="Google Shape;213;p37"/>
           <p:cNvPicPr preferRelativeResize="0"/>
           <p:nvPr/>
         </p:nvPicPr>
@@ -15760,7 +15812,7 @@
       </p:pic>
       <p:sp>
         <p:nvSpPr>
-          <p:cNvPr id="213" name="Google Shape;213;p37"/>
+          <p:cNvPr id="214" name="Google Shape;214;p37"/>
           <p:cNvSpPr txBox="1"/>
           <p:nvPr>
             <p:ph type="title"/>
@@ -15808,14 +15860,14 @@
       </p:sp>
       <p:sp>
         <p:nvSpPr>
-          <p:cNvPr id="214" name="Google Shape;214;p37"/>
+          <p:cNvPr id="215" name="Google Shape;215;p37"/>
           <p:cNvSpPr txBox="1"/>
           <p:nvPr/>
         </p:nvSpPr>
         <p:spPr>
           <a:xfrm>
-            <a:off x="145500" y="1287450"/>
-            <a:ext cx="8853000" cy="2539800"/>
+            <a:off x="145500" y="1488025"/>
+            <a:ext cx="8853000" cy="3181200"/>
           </a:xfrm>
           <a:prstGeom prst="rect">
             <a:avLst/>
@@ -15856,7 +15908,7 @@
                 <a:spcPct val="115000"/>
               </a:lnSpc>
               <a:spcBef>
-                <a:spcPts val="0"/>
+                <a:spcPts val="1000"/>
               </a:spcBef>
               <a:spcAft>
                 <a:spcPts val="0"/>
@@ -15876,7 +15928,7 @@
                 <a:spcPct val="115000"/>
               </a:lnSpc>
               <a:spcBef>
-                <a:spcPts val="0"/>
+                <a:spcPts val="1000"/>
               </a:spcBef>
               <a:spcAft>
                 <a:spcPts val="0"/>
@@ -15915,7 +15967,7 @@
                 <a:spcPct val="115000"/>
               </a:lnSpc>
               <a:spcBef>
-                <a:spcPts val="0"/>
+                <a:spcPts val="1000"/>
               </a:spcBef>
               <a:spcAft>
                 <a:spcPts val="0"/>
@@ -15946,7 +15998,7 @@
                 <a:spcPct val="115000"/>
               </a:lnSpc>
               <a:spcBef>
-                <a:spcPts val="0"/>
+                <a:spcPts val="1000"/>
               </a:spcBef>
               <a:spcAft>
                 <a:spcPts val="0"/>
@@ -15985,10 +16037,10 @@
                 <a:spcPct val="115000"/>
               </a:lnSpc>
               <a:spcBef>
-                <a:spcPts val="0"/>
-              </a:spcBef>
-              <a:spcAft>
-                <a:spcPts val="0"/>
+                <a:spcPts val="1000"/>
+              </a:spcBef>
+              <a:spcAft>
+                <a:spcPts val="1000"/>
               </a:spcAft>
               <a:buClr>
                 <a:schemeClr val="dk1"/>
@@ -16010,7 +16062,7 @@
       </p:sp>
       <p:sp>
         <p:nvSpPr>
-          <p:cNvPr id="215" name="Google Shape;215;p37"/>
+          <p:cNvPr id="216" name="Google Shape;216;p37"/>
           <p:cNvSpPr txBox="1"/>
           <p:nvPr>
             <p:ph idx="12" type="sldNum"/>
@@ -16066,7 +16118,7 @@
       </p:sp>
       <p:sp>
         <p:nvSpPr>
-          <p:cNvPr id="216" name="Google Shape;216;p37"/>
+          <p:cNvPr id="217" name="Google Shape;217;p37"/>
           <p:cNvSpPr txBox="1"/>
           <p:nvPr/>
         </p:nvSpPr>
@@ -16117,13 +16169,13 @@
       </p:sp>
       <p:sp>
         <p:nvSpPr>
-          <p:cNvPr id="217" name="Google Shape;217;p37"/>
+          <p:cNvPr id="218" name="Google Shape;218;p37"/>
           <p:cNvSpPr txBox="1"/>
           <p:nvPr/>
         </p:nvSpPr>
         <p:spPr>
           <a:xfrm>
-            <a:off x="2443225" y="846325"/>
+            <a:off x="2428200" y="935825"/>
             <a:ext cx="4287600" cy="400200"/>
           </a:xfrm>
           <a:prstGeom prst="rect">
@@ -16169,7 +16221,7 @@
   <p:cSld>
     <p:spTree>
       <p:nvGrpSpPr>
-        <p:cNvPr id="221" name="Shape 221"/>
+        <p:cNvPr id="222" name="Shape 222"/>
         <p:cNvGrpSpPr/>
         <p:nvPr/>
       </p:nvGrpSpPr>
@@ -16183,7 +16235,7 @@
       </p:grpSpPr>
       <p:pic>
         <p:nvPicPr>
-          <p:cNvPr id="222" name="Google Shape;222;p38"/>
+          <p:cNvPr id="223" name="Google Shape;223;p38"/>
           <p:cNvPicPr preferRelativeResize="0"/>
           <p:nvPr/>
         </p:nvPicPr>
@@ -16211,7 +16263,7 @@
       </p:pic>
       <p:sp>
         <p:nvSpPr>
-          <p:cNvPr id="223" name="Google Shape;223;p38"/>
+          <p:cNvPr id="224" name="Google Shape;224;p38"/>
           <p:cNvSpPr txBox="1"/>
           <p:nvPr>
             <p:ph type="title"/>
@@ -16275,7 +16327,7 @@
       </p:sp>
       <p:sp>
         <p:nvSpPr>
-          <p:cNvPr id="224" name="Google Shape;224;p38"/>
+          <p:cNvPr id="225" name="Google Shape;225;p38"/>
           <p:cNvSpPr txBox="1"/>
           <p:nvPr/>
         </p:nvSpPr>
@@ -16533,7 +16585,7 @@
       </p:sp>
       <p:sp>
         <p:nvSpPr>
-          <p:cNvPr id="225" name="Google Shape;225;p38"/>
+          <p:cNvPr id="226" name="Google Shape;226;p38"/>
           <p:cNvSpPr txBox="1"/>
           <p:nvPr>
             <p:ph idx="12" type="sldNum"/>
@@ -16589,7 +16641,7 @@
       </p:sp>
       <p:pic>
         <p:nvPicPr>
-          <p:cNvPr id="226" name="Google Shape;226;p38"/>
+          <p:cNvPr id="227" name="Google Shape;227;p38"/>
           <p:cNvPicPr preferRelativeResize="0"/>
           <p:nvPr/>
         </p:nvPicPr>
@@ -16617,7 +16669,7 @@
       </p:pic>
       <p:pic>
         <p:nvPicPr>
-          <p:cNvPr id="227" name="Google Shape;227;p38"/>
+          <p:cNvPr id="228" name="Google Shape;228;p38"/>
           <p:cNvPicPr preferRelativeResize="0"/>
           <p:nvPr/>
         </p:nvPicPr>
@@ -16645,7 +16697,7 @@
       </p:pic>
       <p:sp>
         <p:nvSpPr>
-          <p:cNvPr id="228" name="Google Shape;228;p38"/>
+          <p:cNvPr id="229" name="Google Shape;229;p38"/>
           <p:cNvSpPr txBox="1"/>
           <p:nvPr/>
         </p:nvSpPr>
@@ -16691,7 +16743,7 @@
       </p:sp>
       <p:pic>
         <p:nvPicPr>
-          <p:cNvPr id="229" name="Google Shape;229;p38"/>
+          <p:cNvPr id="230" name="Google Shape;230;p38"/>
           <p:cNvPicPr preferRelativeResize="0"/>
           <p:nvPr/>
         </p:nvPicPr>
@@ -16719,7 +16771,7 @@
       </p:pic>
       <p:pic>
         <p:nvPicPr>
-          <p:cNvPr id="230" name="Google Shape;230;p38"/>
+          <p:cNvPr id="231" name="Google Shape;231;p38"/>
           <p:cNvPicPr preferRelativeResize="0"/>
           <p:nvPr/>
         </p:nvPicPr>
@@ -16747,7 +16799,7 @@
       </p:pic>
       <p:sp>
         <p:nvSpPr>
-          <p:cNvPr id="231" name="Google Shape;231;p38"/>
+          <p:cNvPr id="232" name="Google Shape;232;p38"/>
           <p:cNvSpPr txBox="1"/>
           <p:nvPr/>
         </p:nvSpPr>
@@ -16800,7 +16852,7 @@
   <p:cSld>
     <p:spTree>
       <p:nvGrpSpPr>
-        <p:cNvPr id="235" name="Shape 235"/>
+        <p:cNvPr id="236" name="Shape 236"/>
         <p:cNvGrpSpPr/>
         <p:nvPr/>
       </p:nvGrpSpPr>
@@ -16814,7 +16866,7 @@
       </p:grpSpPr>
       <p:pic>
         <p:nvPicPr>
-          <p:cNvPr id="236" name="Google Shape;236;p39"/>
+          <p:cNvPr id="237" name="Google Shape;237;p39"/>
           <p:cNvPicPr preferRelativeResize="0"/>
           <p:nvPr/>
         </p:nvPicPr>
@@ -16842,7 +16894,7 @@
       </p:pic>
       <p:sp>
         <p:nvSpPr>
-          <p:cNvPr id="237" name="Google Shape;237;p39"/>
+          <p:cNvPr id="238" name="Google Shape;238;p39"/>
           <p:cNvSpPr txBox="1"/>
           <p:nvPr>
             <p:ph type="title"/>
@@ -16890,7 +16942,7 @@
       </p:sp>
       <p:sp>
         <p:nvSpPr>
-          <p:cNvPr id="238" name="Google Shape;238;p39"/>
+          <p:cNvPr id="239" name="Google Shape;239;p39"/>
           <p:cNvSpPr txBox="1"/>
           <p:nvPr/>
         </p:nvSpPr>
@@ -17004,7 +17056,7 @@
       </p:sp>
       <p:sp>
         <p:nvSpPr>
-          <p:cNvPr id="239" name="Google Shape;239;p39"/>
+          <p:cNvPr id="240" name="Google Shape;240;p39"/>
           <p:cNvSpPr txBox="1"/>
           <p:nvPr>
             <p:ph idx="12" type="sldNum"/>
@@ -17060,7 +17112,7 @@
       </p:sp>
       <p:pic>
         <p:nvPicPr>
-          <p:cNvPr id="240" name="Google Shape;240;p39"/>
+          <p:cNvPr id="241" name="Google Shape;241;p39"/>
           <p:cNvPicPr preferRelativeResize="0"/>
           <p:nvPr/>
         </p:nvPicPr>
@@ -17087,7 +17139,7 @@
       </p:pic>
       <p:cxnSp>
         <p:nvCxnSpPr>
-          <p:cNvPr id="241" name="Google Shape;241;p39"/>
+          <p:cNvPr id="242" name="Google Shape;242;p39"/>
           <p:cNvCxnSpPr/>
           <p:nvPr/>
         </p:nvCxnSpPr>
@@ -17113,7 +17165,7 @@
       </p:cxnSp>
       <p:cxnSp>
         <p:nvCxnSpPr>
-          <p:cNvPr id="242" name="Google Shape;242;p39"/>
+          <p:cNvPr id="243" name="Google Shape;243;p39"/>
           <p:cNvCxnSpPr/>
           <p:nvPr/>
         </p:nvCxnSpPr>
@@ -17139,7 +17191,7 @@
       </p:cxnSp>
       <p:sp>
         <p:nvSpPr>
-          <p:cNvPr id="243" name="Google Shape;243;p39"/>
+          <p:cNvPr id="244" name="Google Shape;244;p39"/>
           <p:cNvSpPr/>
           <p:nvPr/>
         </p:nvSpPr>
@@ -17193,7 +17245,7 @@
       </p:sp>
       <p:sp>
         <p:nvSpPr>
-          <p:cNvPr id="244" name="Google Shape;244;p39"/>
+          <p:cNvPr id="245" name="Google Shape;245;p39"/>
           <p:cNvSpPr txBox="1"/>
           <p:nvPr/>
         </p:nvSpPr>
@@ -17235,7 +17287,7 @@
       </p:sp>
       <p:cxnSp>
         <p:nvCxnSpPr>
-          <p:cNvPr id="245" name="Google Shape;245;p39"/>
+          <p:cNvPr id="246" name="Google Shape;246;p39"/>
           <p:cNvCxnSpPr/>
           <p:nvPr/>
         </p:nvCxnSpPr>
@@ -17259,6 +17311,58 @@
           </a:ln>
         </p:spPr>
       </p:cxnSp>
+      <p:sp>
+        <p:nvSpPr>
+          <p:cNvPr id="247" name="Google Shape;247;p39"/>
+          <p:cNvSpPr txBox="1"/>
+          <p:nvPr/>
+        </p:nvSpPr>
+        <p:spPr>
+          <a:xfrm>
+            <a:off x="6499975" y="3535688"/>
+            <a:ext cx="2537100" cy="307800"/>
+          </a:xfrm>
+          <a:prstGeom prst="rect">
+            <a:avLst/>
+          </a:prstGeom>
+          <a:noFill/>
+          <a:ln>
+            <a:noFill/>
+          </a:ln>
+        </p:spPr>
+        <p:txBody>
+          <a:bodyPr anchorCtr="0" anchor="t" bIns="91425" lIns="91425" spcFirstLastPara="1" rIns="91425" wrap="square" tIns="91425">
+            <a:spAutoFit/>
+          </a:bodyPr>
+          <a:lstStyle/>
+          <a:p>
+            <a:pPr indent="0" lvl="0" marL="0" rtl="0" algn="r">
+              <a:spcBef>
+                <a:spcPts val="0"/>
+              </a:spcBef>
+              <a:spcAft>
+                <a:spcPts val="0"/>
+              </a:spcAft>
+              <a:buNone/>
+            </a:pPr>
+            <a:r>
+              <a:rPr i="1" lang="en" sz="800">
+                <a:latin typeface="Roboto"/>
+                <a:ea typeface="Roboto"/>
+                <a:cs typeface="Roboto"/>
+                <a:sym typeface="Roboto"/>
+              </a:rPr>
+              <a:t>Created in Canva  by C. Arighi</a:t>
+            </a:r>
+            <a:endParaRPr i="1" sz="800">
+              <a:latin typeface="Roboto"/>
+              <a:ea typeface="Roboto"/>
+              <a:cs typeface="Roboto"/>
+              <a:sym typeface="Roboto"/>
+            </a:endParaRPr>
+          </a:p>
+        </p:txBody>
+      </p:sp>
     </p:spTree>
   </p:cSld>
   <p:clrMapOvr>
@@ -17272,7 +17376,7 @@
   <p:cSld>
     <p:spTree>
       <p:nvGrpSpPr>
-        <p:cNvPr id="249" name="Shape 249"/>
+        <p:cNvPr id="251" name="Shape 251"/>
         <p:cNvGrpSpPr/>
         <p:nvPr/>
       </p:nvGrpSpPr>
@@ -17286,7 +17390,7 @@
       </p:grpSpPr>
       <p:pic>
         <p:nvPicPr>
-          <p:cNvPr id="250" name="Google Shape;250;p40"/>
+          <p:cNvPr id="252" name="Google Shape;252;p40"/>
           <p:cNvPicPr preferRelativeResize="0"/>
           <p:nvPr/>
         </p:nvPicPr>
@@ -17314,7 +17418,7 @@
       </p:pic>
       <p:sp>
         <p:nvSpPr>
-          <p:cNvPr id="251" name="Google Shape;251;p40"/>
+          <p:cNvPr id="253" name="Google Shape;253;p40"/>
           <p:cNvSpPr txBox="1"/>
           <p:nvPr>
             <p:ph type="title"/>
@@ -17362,7 +17466,7 @@
       </p:sp>
       <p:sp>
         <p:nvSpPr>
-          <p:cNvPr id="252" name="Google Shape;252;p40"/>
+          <p:cNvPr id="254" name="Google Shape;254;p40"/>
           <p:cNvSpPr txBox="1"/>
           <p:nvPr/>
         </p:nvSpPr>
@@ -17456,7 +17560,7 @@
       </p:sp>
       <p:sp>
         <p:nvSpPr>
-          <p:cNvPr id="253" name="Google Shape;253;p40"/>
+          <p:cNvPr id="255" name="Google Shape;255;p40"/>
           <p:cNvSpPr txBox="1"/>
           <p:nvPr>
             <p:ph idx="12" type="sldNum"/>
@@ -17512,7 +17616,7 @@
       </p:sp>
       <p:pic>
         <p:nvPicPr>
-          <p:cNvPr id="254" name="Google Shape;254;p40"/>
+          <p:cNvPr id="256" name="Google Shape;256;p40"/>
           <p:cNvPicPr preferRelativeResize="0"/>
           <p:nvPr/>
         </p:nvPicPr>
@@ -17539,7 +17643,7 @@
       </p:pic>
       <p:cxnSp>
         <p:nvCxnSpPr>
-          <p:cNvPr id="255" name="Google Shape;255;p40"/>
+          <p:cNvPr id="257" name="Google Shape;257;p40"/>
           <p:cNvCxnSpPr/>
           <p:nvPr/>
         </p:nvCxnSpPr>
@@ -17565,7 +17669,7 @@
       </p:cxnSp>
       <p:cxnSp>
         <p:nvCxnSpPr>
-          <p:cNvPr id="256" name="Google Shape;256;p40"/>
+          <p:cNvPr id="258" name="Google Shape;258;p40"/>
           <p:cNvCxnSpPr/>
           <p:nvPr/>
         </p:nvCxnSpPr>
@@ -17591,9 +17695,9 @@
       </p:cxnSp>
       <p:cxnSp>
         <p:nvCxnSpPr>
-          <p:cNvPr id="257" name="Google Shape;257;p40"/>
+          <p:cNvPr id="259" name="Google Shape;259;p40"/>
           <p:cNvCxnSpPr>
-            <a:endCxn id="258" idx="0"/>
+            <a:endCxn id="260" idx="0"/>
           </p:cNvCxnSpPr>
           <p:nvPr/>
         </p:nvCxnSpPr>
@@ -17619,7 +17723,7 @@
       </p:cxnSp>
       <p:sp>
         <p:nvSpPr>
-          <p:cNvPr id="258" name="Google Shape;258;p40"/>
+          <p:cNvPr id="260" name="Google Shape;260;p40"/>
           <p:cNvSpPr/>
           <p:nvPr/>
         </p:nvSpPr>
@@ -17673,7 +17777,7 @@
       </p:sp>
       <p:sp>
         <p:nvSpPr>
-          <p:cNvPr id="259" name="Google Shape;259;p40"/>
+          <p:cNvPr id="261" name="Google Shape;261;p40"/>
           <p:cNvSpPr txBox="1"/>
           <p:nvPr/>
         </p:nvSpPr>
@@ -17710,6 +17814,58 @@
               <a:t>Ordinal</a:t>
             </a:r>
             <a:endParaRPr sz="800"/>
+          </a:p>
+        </p:txBody>
+      </p:sp>
+      <p:sp>
+        <p:nvSpPr>
+          <p:cNvPr id="262" name="Google Shape;262;p40"/>
+          <p:cNvSpPr txBox="1"/>
+          <p:nvPr/>
+        </p:nvSpPr>
+        <p:spPr>
+          <a:xfrm>
+            <a:off x="6487100" y="3520838"/>
+            <a:ext cx="2537100" cy="307800"/>
+          </a:xfrm>
+          <a:prstGeom prst="rect">
+            <a:avLst/>
+          </a:prstGeom>
+          <a:noFill/>
+          <a:ln>
+            <a:noFill/>
+          </a:ln>
+        </p:spPr>
+        <p:txBody>
+          <a:bodyPr anchorCtr="0" anchor="t" bIns="91425" lIns="91425" spcFirstLastPara="1" rIns="91425" wrap="square" tIns="91425">
+            <a:spAutoFit/>
+          </a:bodyPr>
+          <a:lstStyle/>
+          <a:p>
+            <a:pPr indent="0" lvl="0" marL="0" rtl="0" algn="r">
+              <a:spcBef>
+                <a:spcPts val="0"/>
+              </a:spcBef>
+              <a:spcAft>
+                <a:spcPts val="0"/>
+              </a:spcAft>
+              <a:buNone/>
+            </a:pPr>
+            <a:r>
+              <a:rPr i="1" lang="en" sz="800">
+                <a:latin typeface="Roboto"/>
+                <a:ea typeface="Roboto"/>
+                <a:cs typeface="Roboto"/>
+                <a:sym typeface="Roboto"/>
+              </a:rPr>
+              <a:t>Created in Canva  by C. Arighi</a:t>
+            </a:r>
+            <a:endParaRPr i="1" sz="800">
+              <a:latin typeface="Roboto"/>
+              <a:ea typeface="Roboto"/>
+              <a:cs typeface="Roboto"/>
+              <a:sym typeface="Roboto"/>
+            </a:endParaRPr>
           </a:p>
         </p:txBody>
       </p:sp>
@@ -17726,7 +17882,7 @@
   <p:cSld>
     <p:spTree>
       <p:nvGrpSpPr>
-        <p:cNvPr id="263" name="Shape 263"/>
+        <p:cNvPr id="266" name="Shape 266"/>
         <p:cNvGrpSpPr/>
         <p:nvPr/>
       </p:nvGrpSpPr>
@@ -17740,7 +17896,7 @@
       </p:grpSpPr>
       <p:pic>
         <p:nvPicPr>
-          <p:cNvPr id="264" name="Google Shape;264;p41"/>
+          <p:cNvPr id="267" name="Google Shape;267;p41"/>
           <p:cNvPicPr preferRelativeResize="0"/>
           <p:nvPr/>
         </p:nvPicPr>
@@ -17768,7 +17924,7 @@
       </p:pic>
       <p:sp>
         <p:nvSpPr>
-          <p:cNvPr id="265" name="Google Shape;265;p41"/>
+          <p:cNvPr id="268" name="Google Shape;268;p41"/>
           <p:cNvSpPr txBox="1"/>
           <p:nvPr>
             <p:ph type="title"/>
@@ -17816,7 +17972,7 @@
       </p:sp>
       <p:sp>
         <p:nvSpPr>
-          <p:cNvPr id="266" name="Google Shape;266;p41"/>
+          <p:cNvPr id="269" name="Google Shape;269;p41"/>
           <p:cNvSpPr txBox="1"/>
           <p:nvPr/>
         </p:nvSpPr>
@@ -17862,7 +18018,7 @@
       </p:sp>
       <p:sp>
         <p:nvSpPr>
-          <p:cNvPr id="267" name="Google Shape;267;p41"/>
+          <p:cNvPr id="270" name="Google Shape;270;p41"/>
           <p:cNvSpPr txBox="1"/>
           <p:nvPr>
             <p:ph idx="12" type="sldNum"/>
@@ -17929,7 +18085,7 @@
   <p:cSld>
     <p:spTree>
       <p:nvGrpSpPr>
-        <p:cNvPr id="271" name="Shape 271"/>
+        <p:cNvPr id="274" name="Shape 274"/>
         <p:cNvGrpSpPr/>
         <p:nvPr/>
       </p:nvGrpSpPr>
@@ -17943,7 +18099,7 @@
       </p:grpSpPr>
       <p:pic>
         <p:nvPicPr>
-          <p:cNvPr id="272" name="Google Shape;272;p42"/>
+          <p:cNvPr id="275" name="Google Shape;275;p42"/>
           <p:cNvPicPr preferRelativeResize="0"/>
           <p:nvPr/>
         </p:nvPicPr>
@@ -17971,7 +18127,7 @@
       </p:pic>
       <p:sp>
         <p:nvSpPr>
-          <p:cNvPr id="273" name="Google Shape;273;p42"/>
+          <p:cNvPr id="276" name="Google Shape;276;p42"/>
           <p:cNvSpPr txBox="1"/>
           <p:nvPr>
             <p:ph type="title"/>
@@ -18027,7 +18183,7 @@
       </p:sp>
       <p:sp>
         <p:nvSpPr>
-          <p:cNvPr id="274" name="Google Shape;274;p42"/>
+          <p:cNvPr id="277" name="Google Shape;277;p42"/>
           <p:cNvSpPr txBox="1"/>
           <p:nvPr/>
         </p:nvSpPr>
@@ -18277,7 +18433,7 @@
       </p:sp>
       <p:sp>
         <p:nvSpPr>
-          <p:cNvPr id="275" name="Google Shape;275;p42"/>
+          <p:cNvPr id="278" name="Google Shape;278;p42"/>
           <p:cNvSpPr txBox="1"/>
           <p:nvPr>
             <p:ph idx="12" type="sldNum"/>
@@ -18344,7 +18500,7 @@
   <p:cSld>
     <p:spTree>
       <p:nvGrpSpPr>
-        <p:cNvPr id="279" name="Shape 279"/>
+        <p:cNvPr id="282" name="Shape 282"/>
         <p:cNvGrpSpPr/>
         <p:nvPr/>
       </p:nvGrpSpPr>
@@ -18358,7 +18514,7 @@
       </p:grpSpPr>
       <p:pic>
         <p:nvPicPr>
-          <p:cNvPr id="280" name="Google Shape;280;p43"/>
+          <p:cNvPr id="283" name="Google Shape;283;p43"/>
           <p:cNvPicPr preferRelativeResize="0"/>
           <p:nvPr/>
         </p:nvPicPr>
@@ -18386,7 +18542,7 @@
       </p:pic>
       <p:sp>
         <p:nvSpPr>
-          <p:cNvPr id="281" name="Google Shape;281;p43"/>
+          <p:cNvPr id="284" name="Google Shape;284;p43"/>
           <p:cNvSpPr txBox="1"/>
           <p:nvPr>
             <p:ph type="title"/>
@@ -18434,7 +18590,7 @@
       </p:sp>
       <p:sp>
         <p:nvSpPr>
-          <p:cNvPr id="282" name="Google Shape;282;p43"/>
+          <p:cNvPr id="285" name="Google Shape;285;p43"/>
           <p:cNvSpPr txBox="1"/>
           <p:nvPr/>
         </p:nvSpPr>
@@ -18592,7 +18748,7 @@
       </p:sp>
       <p:sp>
         <p:nvSpPr>
-          <p:cNvPr id="283" name="Google Shape;283;p43"/>
+          <p:cNvPr id="286" name="Google Shape;286;p43"/>
           <p:cNvSpPr txBox="1"/>
           <p:nvPr>
             <p:ph idx="12" type="sldNum"/>
@@ -18800,7 +18956,7 @@
   <p:cSld>
     <p:spTree>
       <p:nvGrpSpPr>
-        <p:cNvPr id="287" name="Shape 287"/>
+        <p:cNvPr id="290" name="Shape 290"/>
         <p:cNvGrpSpPr/>
         <p:nvPr/>
       </p:nvGrpSpPr>
@@ -18814,7 +18970,7 @@
       </p:grpSpPr>
       <p:pic>
         <p:nvPicPr>
-          <p:cNvPr id="288" name="Google Shape;288;p44"/>
+          <p:cNvPr id="291" name="Google Shape;291;p44"/>
           <p:cNvPicPr preferRelativeResize="0"/>
           <p:nvPr/>
         </p:nvPicPr>
@@ -18842,7 +18998,7 @@
       </p:pic>
       <p:sp>
         <p:nvSpPr>
-          <p:cNvPr id="289" name="Google Shape;289;p44"/>
+          <p:cNvPr id="292" name="Google Shape;292;p44"/>
           <p:cNvSpPr txBox="1"/>
           <p:nvPr>
             <p:ph type="title"/>
@@ -18890,7 +19046,7 @@
       </p:sp>
       <p:sp>
         <p:nvSpPr>
-          <p:cNvPr id="290" name="Google Shape;290;p44"/>
+          <p:cNvPr id="293" name="Google Shape;293;p44"/>
           <p:cNvSpPr txBox="1"/>
           <p:nvPr/>
         </p:nvSpPr>
@@ -19104,7 +19260,7 @@
       </p:sp>
       <p:sp>
         <p:nvSpPr>
-          <p:cNvPr id="291" name="Google Shape;291;p44"/>
+          <p:cNvPr id="294" name="Google Shape;294;p44"/>
           <p:cNvSpPr txBox="1"/>
           <p:nvPr>
             <p:ph idx="12" type="sldNum"/>
@@ -19171,7 +19327,7 @@
   <p:cSld>
     <p:spTree>
       <p:nvGrpSpPr>
-        <p:cNvPr id="295" name="Shape 295"/>
+        <p:cNvPr id="298" name="Shape 298"/>
         <p:cNvGrpSpPr/>
         <p:nvPr/>
       </p:nvGrpSpPr>
@@ -19185,7 +19341,7 @@
       </p:grpSpPr>
       <p:pic>
         <p:nvPicPr>
-          <p:cNvPr id="296" name="Google Shape;296;p45"/>
+          <p:cNvPr id="299" name="Google Shape;299;p45"/>
           <p:cNvPicPr preferRelativeResize="0"/>
           <p:nvPr/>
         </p:nvPicPr>
@@ -19213,7 +19369,7 @@
       </p:pic>
       <p:sp>
         <p:nvSpPr>
-          <p:cNvPr id="297" name="Google Shape;297;p45"/>
+          <p:cNvPr id="300" name="Google Shape;300;p45"/>
           <p:cNvSpPr txBox="1"/>
           <p:nvPr>
             <p:ph type="title"/>
@@ -19261,7 +19417,7 @@
       </p:sp>
       <p:sp>
         <p:nvSpPr>
-          <p:cNvPr id="298" name="Google Shape;298;p45"/>
+          <p:cNvPr id="301" name="Google Shape;301;p45"/>
           <p:cNvSpPr txBox="1"/>
           <p:nvPr/>
         </p:nvSpPr>
@@ -19447,7 +19603,7 @@
       </p:sp>
       <p:sp>
         <p:nvSpPr>
-          <p:cNvPr id="299" name="Google Shape;299;p45"/>
+          <p:cNvPr id="302" name="Google Shape;302;p45"/>
           <p:cNvSpPr txBox="1"/>
           <p:nvPr>
             <p:ph idx="12" type="sldNum"/>
@@ -19503,7 +19659,7 @@
       </p:sp>
       <p:pic>
         <p:nvPicPr>
-          <p:cNvPr id="300" name="Google Shape;300;p45"/>
+          <p:cNvPr id="303" name="Google Shape;303;p45"/>
           <p:cNvPicPr preferRelativeResize="0"/>
           <p:nvPr/>
         </p:nvPicPr>
@@ -19531,7 +19687,7 @@
       </p:pic>
       <p:sp>
         <p:nvSpPr>
-          <p:cNvPr id="301" name="Google Shape;301;p45"/>
+          <p:cNvPr id="304" name="Google Shape;304;p45"/>
           <p:cNvSpPr txBox="1"/>
           <p:nvPr/>
         </p:nvSpPr>
@@ -19594,7 +19750,7 @@
   <p:cSld>
     <p:spTree>
       <p:nvGrpSpPr>
-        <p:cNvPr id="305" name="Shape 305"/>
+        <p:cNvPr id="308" name="Shape 308"/>
         <p:cNvGrpSpPr/>
         <p:nvPr/>
       </p:nvGrpSpPr>
@@ -19608,7 +19764,7 @@
       </p:grpSpPr>
       <p:pic>
         <p:nvPicPr>
-          <p:cNvPr id="306" name="Google Shape;306;p46"/>
+          <p:cNvPr id="309" name="Google Shape;309;p46"/>
           <p:cNvPicPr preferRelativeResize="0"/>
           <p:nvPr/>
         </p:nvPicPr>
@@ -19636,7 +19792,7 @@
       </p:pic>
       <p:sp>
         <p:nvSpPr>
-          <p:cNvPr id="307" name="Google Shape;307;p46"/>
+          <p:cNvPr id="310" name="Google Shape;310;p46"/>
           <p:cNvSpPr txBox="1"/>
           <p:nvPr>
             <p:ph type="title"/>
@@ -19684,7 +19840,7 @@
       </p:sp>
       <p:sp>
         <p:nvSpPr>
-          <p:cNvPr id="308" name="Google Shape;308;p46"/>
+          <p:cNvPr id="311" name="Google Shape;311;p46"/>
           <p:cNvSpPr txBox="1"/>
           <p:nvPr/>
         </p:nvSpPr>
@@ -19848,7 +20004,7 @@
       </p:sp>
       <p:sp>
         <p:nvSpPr>
-          <p:cNvPr id="309" name="Google Shape;309;p46"/>
+          <p:cNvPr id="312" name="Google Shape;312;p46"/>
           <p:cNvSpPr txBox="1"/>
           <p:nvPr>
             <p:ph idx="12" type="sldNum"/>
@@ -19915,7 +20071,7 @@
   <p:cSld>
     <p:spTree>
       <p:nvGrpSpPr>
-        <p:cNvPr id="313" name="Shape 313"/>
+        <p:cNvPr id="316" name="Shape 316"/>
         <p:cNvGrpSpPr/>
         <p:nvPr/>
       </p:nvGrpSpPr>
@@ -19929,7 +20085,7 @@
       </p:grpSpPr>
       <p:pic>
         <p:nvPicPr>
-          <p:cNvPr id="314" name="Google Shape;314;p47"/>
+          <p:cNvPr id="317" name="Google Shape;317;p47"/>
           <p:cNvPicPr preferRelativeResize="0"/>
           <p:nvPr/>
         </p:nvPicPr>
@@ -19957,7 +20113,7 @@
       </p:pic>
       <p:sp>
         <p:nvSpPr>
-          <p:cNvPr id="315" name="Google Shape;315;p47"/>
+          <p:cNvPr id="318" name="Google Shape;318;p47"/>
           <p:cNvSpPr txBox="1"/>
           <p:nvPr>
             <p:ph type="title"/>
@@ -20005,7 +20161,7 @@
       </p:sp>
       <p:sp>
         <p:nvSpPr>
-          <p:cNvPr id="316" name="Google Shape;316;p47"/>
+          <p:cNvPr id="319" name="Google Shape;319;p47"/>
           <p:cNvSpPr txBox="1"/>
           <p:nvPr/>
         </p:nvSpPr>
@@ -20071,7 +20227,7 @@
       </p:sp>
       <p:sp>
         <p:nvSpPr>
-          <p:cNvPr id="317" name="Google Shape;317;p47"/>
+          <p:cNvPr id="320" name="Google Shape;320;p47"/>
           <p:cNvSpPr txBox="1"/>
           <p:nvPr>
             <p:ph idx="12" type="sldNum"/>
@@ -20138,7 +20294,7 @@
   <p:cSld>
     <p:spTree>
       <p:nvGrpSpPr>
-        <p:cNvPr id="321" name="Shape 321"/>
+        <p:cNvPr id="324" name="Shape 324"/>
         <p:cNvGrpSpPr/>
         <p:nvPr/>
       </p:nvGrpSpPr>
@@ -20152,7 +20308,7 @@
       </p:grpSpPr>
       <p:pic>
         <p:nvPicPr>
-          <p:cNvPr id="322" name="Google Shape;322;p48"/>
+          <p:cNvPr id="325" name="Google Shape;325;p48"/>
           <p:cNvPicPr preferRelativeResize="0"/>
           <p:nvPr/>
         </p:nvPicPr>
@@ -20180,7 +20336,7 @@
       </p:pic>
       <p:sp>
         <p:nvSpPr>
-          <p:cNvPr id="323" name="Google Shape;323;p48"/>
+          <p:cNvPr id="326" name="Google Shape;326;p48"/>
           <p:cNvSpPr txBox="1"/>
           <p:nvPr>
             <p:ph type="title"/>
@@ -20228,7 +20384,7 @@
       </p:sp>
       <p:sp>
         <p:nvSpPr>
-          <p:cNvPr id="324" name="Google Shape;324;p48"/>
+          <p:cNvPr id="327" name="Google Shape;327;p48"/>
           <p:cNvSpPr txBox="1"/>
           <p:nvPr/>
         </p:nvSpPr>
@@ -20362,7 +20518,7 @@
       </p:sp>
       <p:sp>
         <p:nvSpPr>
-          <p:cNvPr id="325" name="Google Shape;325;p48"/>
+          <p:cNvPr id="328" name="Google Shape;328;p48"/>
           <p:cNvSpPr txBox="1"/>
           <p:nvPr>
             <p:ph idx="12" type="sldNum"/>
@@ -20429,7 +20585,7 @@
   <p:cSld>
     <p:spTree>
       <p:nvGrpSpPr>
-        <p:cNvPr id="329" name="Shape 329"/>
+        <p:cNvPr id="332" name="Shape 332"/>
         <p:cNvGrpSpPr/>
         <p:nvPr/>
       </p:nvGrpSpPr>
@@ -20443,7 +20599,7 @@
       </p:grpSpPr>
       <p:pic>
         <p:nvPicPr>
-          <p:cNvPr id="330" name="Google Shape;330;p49"/>
+          <p:cNvPr id="333" name="Google Shape;333;p49"/>
           <p:cNvPicPr preferRelativeResize="0"/>
           <p:nvPr/>
         </p:nvPicPr>
@@ -20471,7 +20627,7 @@
       </p:pic>
       <p:sp>
         <p:nvSpPr>
-          <p:cNvPr id="331" name="Google Shape;331;p49"/>
+          <p:cNvPr id="334" name="Google Shape;334;p49"/>
           <p:cNvSpPr txBox="1"/>
           <p:nvPr>
             <p:ph type="title"/>
@@ -20519,7 +20675,7 @@
       </p:sp>
       <p:sp>
         <p:nvSpPr>
-          <p:cNvPr id="332" name="Google Shape;332;p49"/>
+          <p:cNvPr id="335" name="Google Shape;335;p49"/>
           <p:cNvSpPr txBox="1"/>
           <p:nvPr/>
         </p:nvSpPr>
@@ -20823,7 +20979,7 @@
       </p:sp>
       <p:sp>
         <p:nvSpPr>
-          <p:cNvPr id="333" name="Google Shape;333;p49"/>
+          <p:cNvPr id="336" name="Google Shape;336;p49"/>
           <p:cNvSpPr txBox="1"/>
           <p:nvPr>
             <p:ph idx="12" type="sldNum"/>
@@ -20890,7 +21046,7 @@
   <p:cSld>
     <p:spTree>
       <p:nvGrpSpPr>
-        <p:cNvPr id="337" name="Shape 337"/>
+        <p:cNvPr id="340" name="Shape 340"/>
         <p:cNvGrpSpPr/>
         <p:nvPr/>
       </p:nvGrpSpPr>
@@ -20904,7 +21060,7 @@
       </p:grpSpPr>
       <p:sp>
         <p:nvSpPr>
-          <p:cNvPr id="338" name="Google Shape;338;p50"/>
+          <p:cNvPr id="341" name="Google Shape;341;p50"/>
           <p:cNvSpPr txBox="1"/>
           <p:nvPr>
             <p:ph type="title"/>
@@ -20952,7 +21108,7 @@
       </p:sp>
       <p:sp>
         <p:nvSpPr>
-          <p:cNvPr id="339" name="Google Shape;339;p50"/>
+          <p:cNvPr id="342" name="Google Shape;342;p50"/>
           <p:cNvSpPr txBox="1"/>
           <p:nvPr/>
         </p:nvSpPr>
@@ -21208,7 +21364,7 @@
       </p:sp>
       <p:pic>
         <p:nvPicPr>
-          <p:cNvPr id="340" name="Google Shape;340;p50"/>
+          <p:cNvPr id="343" name="Google Shape;343;p50"/>
           <p:cNvPicPr preferRelativeResize="0"/>
           <p:nvPr/>
         </p:nvPicPr>
@@ -21236,7 +21392,7 @@
       </p:pic>
       <p:sp>
         <p:nvSpPr>
-          <p:cNvPr id="341" name="Google Shape;341;p50"/>
+          <p:cNvPr id="344" name="Google Shape;344;p50"/>
           <p:cNvSpPr txBox="1"/>
           <p:nvPr>
             <p:ph idx="12" type="sldNum"/>
@@ -21284,7 +21440,7 @@
       </p:sp>
       <p:pic>
         <p:nvPicPr>
-          <p:cNvPr id="342" name="Google Shape;342;p50"/>
+          <p:cNvPr id="345" name="Google Shape;345;p50"/>
           <p:cNvPicPr preferRelativeResize="0"/>
           <p:nvPr/>
         </p:nvPicPr>
@@ -21322,7 +21478,7 @@
   <p:cSld>
     <p:spTree>
       <p:nvGrpSpPr>
-        <p:cNvPr id="346" name="Shape 346"/>
+        <p:cNvPr id="349" name="Shape 349"/>
         <p:cNvGrpSpPr/>
         <p:nvPr/>
       </p:nvGrpSpPr>
@@ -21336,7 +21492,7 @@
       </p:grpSpPr>
       <p:pic>
         <p:nvPicPr>
-          <p:cNvPr id="347" name="Google Shape;347;p51"/>
+          <p:cNvPr id="350" name="Google Shape;350;p51"/>
           <p:cNvPicPr preferRelativeResize="0"/>
           <p:nvPr/>
         </p:nvPicPr>
@@ -21364,7 +21520,7 @@
       </p:pic>
       <p:sp>
         <p:nvSpPr>
-          <p:cNvPr id="348" name="Google Shape;348;p51"/>
+          <p:cNvPr id="351" name="Google Shape;351;p51"/>
           <p:cNvSpPr txBox="1"/>
           <p:nvPr>
             <p:ph type="title"/>
@@ -21412,7 +21568,7 @@
       </p:sp>
       <p:sp>
         <p:nvSpPr>
-          <p:cNvPr id="349" name="Google Shape;349;p51"/>
+          <p:cNvPr id="352" name="Google Shape;352;p51"/>
           <p:cNvSpPr txBox="1"/>
           <p:nvPr/>
         </p:nvSpPr>
@@ -21517,7 +21673,7 @@
       </p:sp>
       <p:sp>
         <p:nvSpPr>
-          <p:cNvPr id="350" name="Google Shape;350;p51"/>
+          <p:cNvPr id="353" name="Google Shape;353;p51"/>
           <p:cNvSpPr txBox="1"/>
           <p:nvPr>
             <p:ph idx="12" type="sldNum"/>
@@ -21573,7 +21729,7 @@
       </p:sp>
       <p:pic>
         <p:nvPicPr>
-          <p:cNvPr id="351" name="Google Shape;351;p51"/>
+          <p:cNvPr id="354" name="Google Shape;354;p51"/>
           <p:cNvPicPr preferRelativeResize="0"/>
           <p:nvPr/>
         </p:nvPicPr>
@@ -21601,7 +21757,7 @@
       </p:pic>
       <p:sp>
         <p:nvSpPr>
-          <p:cNvPr id="352" name="Google Shape;352;p51"/>
+          <p:cNvPr id="355" name="Google Shape;355;p51"/>
           <p:cNvSpPr txBox="1"/>
           <p:nvPr/>
         </p:nvSpPr>
@@ -21643,7 +21799,7 @@
       </p:sp>
       <p:sp>
         <p:nvSpPr>
-          <p:cNvPr id="353" name="Google Shape;353;p51"/>
+          <p:cNvPr id="356" name="Google Shape;356;p51"/>
           <p:cNvSpPr txBox="1"/>
           <p:nvPr/>
         </p:nvSpPr>
@@ -21705,7 +21861,7 @@
   <p:cSld>
     <p:spTree>
       <p:nvGrpSpPr>
-        <p:cNvPr id="357" name="Shape 357"/>
+        <p:cNvPr id="360" name="Shape 360"/>
         <p:cNvGrpSpPr/>
         <p:nvPr/>
       </p:nvGrpSpPr>
@@ -21719,7 +21875,7 @@
       </p:grpSpPr>
       <p:pic>
         <p:nvPicPr>
-          <p:cNvPr id="358" name="Google Shape;358;p52"/>
+          <p:cNvPr id="361" name="Google Shape;361;p52"/>
           <p:cNvPicPr preferRelativeResize="0"/>
           <p:nvPr/>
         </p:nvPicPr>
@@ -21747,7 +21903,7 @@
       </p:pic>
       <p:sp>
         <p:nvSpPr>
-          <p:cNvPr id="359" name="Google Shape;359;p52"/>
+          <p:cNvPr id="362" name="Google Shape;362;p52"/>
           <p:cNvSpPr txBox="1"/>
           <p:nvPr>
             <p:ph type="title"/>
@@ -21811,7 +21967,7 @@
       </p:sp>
       <p:sp>
         <p:nvSpPr>
-          <p:cNvPr id="360" name="Google Shape;360;p52"/>
+          <p:cNvPr id="363" name="Google Shape;363;p52"/>
           <p:cNvSpPr txBox="1"/>
           <p:nvPr/>
         </p:nvSpPr>
@@ -21856,7 +22012,7 @@
       </p:sp>
       <p:sp>
         <p:nvSpPr>
-          <p:cNvPr id="361" name="Google Shape;361;p52"/>
+          <p:cNvPr id="364" name="Google Shape;364;p52"/>
           <p:cNvSpPr txBox="1"/>
           <p:nvPr>
             <p:ph idx="12" type="sldNum"/>
@@ -21912,7 +22068,7 @@
       </p:sp>
       <p:pic>
         <p:nvPicPr>
-          <p:cNvPr id="362" name="Google Shape;362;p52"/>
+          <p:cNvPr id="365" name="Google Shape;365;p52"/>
           <p:cNvPicPr preferRelativeResize="0"/>
           <p:nvPr/>
         </p:nvPicPr>
@@ -21940,7 +22096,7 @@
       </p:pic>
       <p:sp>
         <p:nvSpPr>
-          <p:cNvPr id="363" name="Google Shape;363;p52"/>
+          <p:cNvPr id="366" name="Google Shape;366;p52"/>
           <p:cNvSpPr txBox="1"/>
           <p:nvPr/>
         </p:nvSpPr>
@@ -22049,7 +22205,7 @@
   <p:cSld>
     <p:spTree>
       <p:nvGrpSpPr>
-        <p:cNvPr id="367" name="Shape 367"/>
+        <p:cNvPr id="370" name="Shape 370"/>
         <p:cNvGrpSpPr/>
         <p:nvPr/>
       </p:nvGrpSpPr>
@@ -22063,7 +22219,7 @@
       </p:grpSpPr>
       <p:pic>
         <p:nvPicPr>
-          <p:cNvPr id="368" name="Google Shape;368;p53"/>
+          <p:cNvPr id="371" name="Google Shape;371;p53"/>
           <p:cNvPicPr preferRelativeResize="0"/>
           <p:nvPr/>
         </p:nvPicPr>
@@ -22091,7 +22247,7 @@
       </p:pic>
       <p:sp>
         <p:nvSpPr>
-          <p:cNvPr id="369" name="Google Shape;369;p53"/>
+          <p:cNvPr id="372" name="Google Shape;372;p53"/>
           <p:cNvSpPr txBox="1"/>
           <p:nvPr>
             <p:ph type="title"/>
@@ -22147,7 +22303,7 @@
       </p:sp>
       <p:sp>
         <p:nvSpPr>
-          <p:cNvPr id="370" name="Google Shape;370;p53"/>
+          <p:cNvPr id="373" name="Google Shape;373;p53"/>
           <p:cNvSpPr txBox="1"/>
           <p:nvPr/>
         </p:nvSpPr>
@@ -22235,7 +22391,7 @@
       </p:sp>
       <p:sp>
         <p:nvSpPr>
-          <p:cNvPr id="371" name="Google Shape;371;p53"/>
+          <p:cNvPr id="374" name="Google Shape;374;p53"/>
           <p:cNvSpPr txBox="1"/>
           <p:nvPr>
             <p:ph idx="12" type="sldNum"/>
@@ -22291,7 +22447,7 @@
       </p:sp>
       <p:sp>
         <p:nvSpPr>
-          <p:cNvPr id="372" name="Google Shape;372;p53"/>
+          <p:cNvPr id="375" name="Google Shape;375;p53"/>
           <p:cNvSpPr txBox="1"/>
           <p:nvPr/>
         </p:nvSpPr>
@@ -22336,7 +22492,7 @@
       </p:sp>
       <p:pic>
         <p:nvPicPr>
-          <p:cNvPr id="373" name="Google Shape;373;p53"/>
+          <p:cNvPr id="376" name="Google Shape;376;p53"/>
           <p:cNvPicPr preferRelativeResize="0"/>
           <p:nvPr/>
         </p:nvPicPr>
@@ -22807,7 +22963,7 @@
   <p:cSld>
     <p:spTree>
       <p:nvGrpSpPr>
-        <p:cNvPr id="377" name="Shape 377"/>
+        <p:cNvPr id="380" name="Shape 380"/>
         <p:cNvGrpSpPr/>
         <p:nvPr/>
       </p:nvGrpSpPr>
@@ -22821,7 +22977,7 @@
       </p:grpSpPr>
       <p:pic>
         <p:nvPicPr>
-          <p:cNvPr id="378" name="Google Shape;378;p54"/>
+          <p:cNvPr id="381" name="Google Shape;381;p54"/>
           <p:cNvPicPr preferRelativeResize="0"/>
           <p:nvPr/>
         </p:nvPicPr>
@@ -22849,7 +23005,7 @@
       </p:pic>
       <p:sp>
         <p:nvSpPr>
-          <p:cNvPr id="379" name="Google Shape;379;p54"/>
+          <p:cNvPr id="382" name="Google Shape;382;p54"/>
           <p:cNvSpPr txBox="1"/>
           <p:nvPr>
             <p:ph type="title"/>
@@ -22905,7 +23061,7 @@
       </p:sp>
       <p:sp>
         <p:nvSpPr>
-          <p:cNvPr id="380" name="Google Shape;380;p54"/>
+          <p:cNvPr id="383" name="Google Shape;383;p54"/>
           <p:cNvSpPr txBox="1"/>
           <p:nvPr/>
         </p:nvSpPr>
@@ -22950,7 +23106,7 @@
       </p:sp>
       <p:sp>
         <p:nvSpPr>
-          <p:cNvPr id="381" name="Google Shape;381;p54"/>
+          <p:cNvPr id="384" name="Google Shape;384;p54"/>
           <p:cNvSpPr txBox="1"/>
           <p:nvPr>
             <p:ph idx="12" type="sldNum"/>
@@ -23006,7 +23162,7 @@
       </p:sp>
       <p:sp>
         <p:nvSpPr>
-          <p:cNvPr id="382" name="Google Shape;382;p54"/>
+          <p:cNvPr id="385" name="Google Shape;385;p54"/>
           <p:cNvSpPr txBox="1"/>
           <p:nvPr/>
         </p:nvSpPr>
@@ -23051,7 +23207,7 @@
       </p:sp>
       <p:pic>
         <p:nvPicPr>
-          <p:cNvPr id="383" name="Google Shape;383;p54"/>
+          <p:cNvPr id="386" name="Google Shape;386;p54"/>
           <p:cNvPicPr preferRelativeResize="0"/>
           <p:nvPr/>
         </p:nvPicPr>
@@ -23090,7 +23246,7 @@
   <p:cSld>
     <p:spTree>
       <p:nvGrpSpPr>
-        <p:cNvPr id="387" name="Shape 387"/>
+        <p:cNvPr id="390" name="Shape 390"/>
         <p:cNvGrpSpPr/>
         <p:nvPr/>
       </p:nvGrpSpPr>
@@ -23104,7 +23260,7 @@
       </p:grpSpPr>
       <p:sp>
         <p:nvSpPr>
-          <p:cNvPr id="388" name="Google Shape;388;p55"/>
+          <p:cNvPr id="391" name="Google Shape;391;p55"/>
           <p:cNvSpPr txBox="1"/>
           <p:nvPr>
             <p:ph type="title"/>
@@ -23152,7 +23308,7 @@
       </p:sp>
       <p:sp>
         <p:nvSpPr>
-          <p:cNvPr id="389" name="Google Shape;389;p55"/>
+          <p:cNvPr id="392" name="Google Shape;392;p55"/>
           <p:cNvSpPr txBox="1"/>
           <p:nvPr/>
         </p:nvSpPr>
@@ -23408,7 +23564,7 @@
       </p:sp>
       <p:pic>
         <p:nvPicPr>
-          <p:cNvPr id="390" name="Google Shape;390;p55"/>
+          <p:cNvPr id="393" name="Google Shape;393;p55"/>
           <p:cNvPicPr preferRelativeResize="0"/>
           <p:nvPr/>
         </p:nvPicPr>
@@ -23436,7 +23592,7 @@
       </p:pic>
       <p:sp>
         <p:nvSpPr>
-          <p:cNvPr id="391" name="Google Shape;391;p55"/>
+          <p:cNvPr id="394" name="Google Shape;394;p55"/>
           <p:cNvSpPr txBox="1"/>
           <p:nvPr>
             <p:ph idx="12" type="sldNum"/>
@@ -23484,7 +23640,7 @@
       </p:sp>
       <p:pic>
         <p:nvPicPr>
-          <p:cNvPr id="392" name="Google Shape;392;p55"/>
+          <p:cNvPr id="395" name="Google Shape;395;p55"/>
           <p:cNvPicPr preferRelativeResize="0"/>
           <p:nvPr/>
         </p:nvPicPr>
@@ -23522,7 +23678,7 @@
   <p:cSld>
     <p:spTree>
       <p:nvGrpSpPr>
-        <p:cNvPr id="396" name="Shape 396"/>
+        <p:cNvPr id="399" name="Shape 399"/>
         <p:cNvGrpSpPr/>
         <p:nvPr/>
       </p:nvGrpSpPr>
@@ -23536,7 +23692,7 @@
       </p:grpSpPr>
       <p:pic>
         <p:nvPicPr>
-          <p:cNvPr id="397" name="Google Shape;397;p56"/>
+          <p:cNvPr id="400" name="Google Shape;400;p56"/>
           <p:cNvPicPr preferRelativeResize="0"/>
           <p:nvPr/>
         </p:nvPicPr>
@@ -23564,7 +23720,7 @@
       </p:pic>
       <p:sp>
         <p:nvSpPr>
-          <p:cNvPr id="398" name="Google Shape;398;p56"/>
+          <p:cNvPr id="401" name="Google Shape;401;p56"/>
           <p:cNvSpPr txBox="1"/>
           <p:nvPr>
             <p:ph type="title"/>
@@ -23620,7 +23776,7 @@
       </p:sp>
       <p:sp>
         <p:nvSpPr>
-          <p:cNvPr id="399" name="Google Shape;399;p56"/>
+          <p:cNvPr id="402" name="Google Shape;402;p56"/>
           <p:cNvSpPr txBox="1"/>
           <p:nvPr/>
         </p:nvSpPr>
@@ -23694,7 +23850,7 @@
       </p:sp>
       <p:sp>
         <p:nvSpPr>
-          <p:cNvPr id="400" name="Google Shape;400;p56"/>
+          <p:cNvPr id="403" name="Google Shape;403;p56"/>
           <p:cNvSpPr txBox="1"/>
           <p:nvPr>
             <p:ph idx="12" type="sldNum"/>
@@ -23750,7 +23906,7 @@
       </p:sp>
       <p:sp>
         <p:nvSpPr>
-          <p:cNvPr id="401" name="Google Shape;401;p56"/>
+          <p:cNvPr id="404" name="Google Shape;404;p56"/>
           <p:cNvSpPr txBox="1"/>
           <p:nvPr/>
         </p:nvSpPr>
@@ -23820,7 +23976,7 @@
   <p:cSld>
     <p:spTree>
       <p:nvGrpSpPr>
-        <p:cNvPr id="405" name="Shape 405"/>
+        <p:cNvPr id="408" name="Shape 408"/>
         <p:cNvGrpSpPr/>
         <p:nvPr/>
       </p:nvGrpSpPr>
@@ -23834,7 +23990,7 @@
       </p:grpSpPr>
       <p:pic>
         <p:nvPicPr>
-          <p:cNvPr id="406" name="Google Shape;406;p57"/>
+          <p:cNvPr id="409" name="Google Shape;409;p57"/>
           <p:cNvPicPr preferRelativeResize="0"/>
           <p:nvPr/>
         </p:nvPicPr>
@@ -23862,7 +24018,7 @@
       </p:pic>
       <p:sp>
         <p:nvSpPr>
-          <p:cNvPr id="407" name="Google Shape;407;p57"/>
+          <p:cNvPr id="410" name="Google Shape;410;p57"/>
           <p:cNvSpPr txBox="1"/>
           <p:nvPr>
             <p:ph type="title"/>
@@ -23910,7 +24066,7 @@
       </p:sp>
       <p:sp>
         <p:nvSpPr>
-          <p:cNvPr id="408" name="Google Shape;408;p57"/>
+          <p:cNvPr id="411" name="Google Shape;411;p57"/>
           <p:cNvSpPr txBox="1"/>
           <p:nvPr/>
         </p:nvSpPr>
@@ -24220,7 +24376,7 @@
       </p:sp>
       <p:sp>
         <p:nvSpPr>
-          <p:cNvPr id="409" name="Google Shape;409;p57"/>
+          <p:cNvPr id="412" name="Google Shape;412;p57"/>
           <p:cNvSpPr txBox="1"/>
           <p:nvPr>
             <p:ph idx="12" type="sldNum"/>
@@ -24287,7 +24443,7 @@
   <p:cSld>
     <p:spTree>
       <p:nvGrpSpPr>
-        <p:cNvPr id="413" name="Shape 413"/>
+        <p:cNvPr id="416" name="Shape 416"/>
         <p:cNvGrpSpPr/>
         <p:nvPr/>
       </p:nvGrpSpPr>
@@ -24301,7 +24457,7 @@
       </p:grpSpPr>
       <p:pic>
         <p:nvPicPr>
-          <p:cNvPr id="414" name="Google Shape;414;p58"/>
+          <p:cNvPr id="417" name="Google Shape;417;p58"/>
           <p:cNvPicPr preferRelativeResize="0"/>
           <p:nvPr/>
         </p:nvPicPr>
@@ -24329,7 +24485,7 @@
       </p:pic>
       <p:sp>
         <p:nvSpPr>
-          <p:cNvPr id="415" name="Google Shape;415;p58"/>
+          <p:cNvPr id="418" name="Google Shape;418;p58"/>
           <p:cNvSpPr txBox="1"/>
           <p:nvPr>
             <p:ph type="title"/>
@@ -24377,7 +24533,7 @@
       </p:sp>
       <p:sp>
         <p:nvSpPr>
-          <p:cNvPr id="416" name="Google Shape;416;p58"/>
+          <p:cNvPr id="419" name="Google Shape;419;p58"/>
           <p:cNvSpPr txBox="1"/>
           <p:nvPr>
             <p:ph idx="12" type="sldNum"/>
@@ -24411,195 +24567,6 @@
               <a:rPr lang="en"/>
               <a:t>‹#›</a:t>
             </a:fld>
-            <a:endParaRPr/>
-          </a:p>
-        </p:txBody>
-      </p:sp>
-      <p:sp>
-        <p:nvSpPr>
-          <p:cNvPr id="417" name="Google Shape;417;p58"/>
-          <p:cNvSpPr txBox="1"/>
-          <p:nvPr/>
-        </p:nvSpPr>
-        <p:spPr>
-          <a:xfrm>
-            <a:off x="405900" y="579225"/>
-            <a:ext cx="8332200" cy="461700"/>
-          </a:xfrm>
-          <a:prstGeom prst="rect">
-            <a:avLst/>
-          </a:prstGeom>
-          <a:noFill/>
-          <a:ln>
-            <a:noFill/>
-          </a:ln>
-        </p:spPr>
-        <p:txBody>
-          <a:bodyPr anchorCtr="0" anchor="t" bIns="91425" lIns="91425" spcFirstLastPara="1" rIns="91425" wrap="square" tIns="91425">
-            <a:spAutoFit/>
-          </a:bodyPr>
-          <a:lstStyle/>
-          <a:p>
-            <a:pPr indent="-342900" lvl="0" marL="457200" rtl="0" algn="l">
-              <a:spcBef>
-                <a:spcPts val="0"/>
-              </a:spcBef>
-              <a:spcAft>
-                <a:spcPts val="0"/>
-              </a:spcAft>
-              <a:buSzPts val="1800"/>
-              <a:buFont typeface="Roboto"/>
-              <a:buChar char="●"/>
-            </a:pPr>
-            <a:r>
-              <a:rPr lang="en" sz="1800">
-                <a:latin typeface="Roboto"/>
-                <a:ea typeface="Roboto"/>
-                <a:cs typeface="Roboto"/>
-                <a:sym typeface="Roboto"/>
-              </a:rPr>
-              <a:t>Which of the following is not feature scaling method?</a:t>
-            </a:r>
-            <a:endParaRPr sz="1800">
-              <a:latin typeface="Roboto"/>
-              <a:ea typeface="Roboto"/>
-              <a:cs typeface="Roboto"/>
-              <a:sym typeface="Roboto"/>
-            </a:endParaRPr>
-          </a:p>
-        </p:txBody>
-      </p:sp>
-      <p:sp>
-        <p:nvSpPr>
-          <p:cNvPr id="418" name="Google Shape;418;p58"/>
-          <p:cNvSpPr txBox="1"/>
-          <p:nvPr/>
-        </p:nvSpPr>
-        <p:spPr>
-          <a:xfrm>
-            <a:off x="661900" y="1378950"/>
-            <a:ext cx="7143000" cy="400200"/>
-          </a:xfrm>
-          <a:prstGeom prst="rect">
-            <a:avLst/>
-          </a:prstGeom>
-          <a:noFill/>
-          <a:ln>
-            <a:noFill/>
-          </a:ln>
-        </p:spPr>
-        <p:txBody>
-          <a:bodyPr anchorCtr="0" anchor="t" bIns="91425" lIns="91425" spcFirstLastPara="1" rIns="91425" wrap="square" tIns="91425">
-            <a:spAutoFit/>
-          </a:bodyPr>
-          <a:lstStyle/>
-          <a:p>
-            <a:pPr indent="0" lvl="0" marL="0" rtl="0" algn="l">
-              <a:spcBef>
-                <a:spcPts val="0"/>
-              </a:spcBef>
-              <a:spcAft>
-                <a:spcPts val="0"/>
-              </a:spcAft>
-              <a:buNone/>
-            </a:pPr>
-            <a:r>
-              <a:t/>
-            </a:r>
-            <a:endParaRPr/>
-          </a:p>
-        </p:txBody>
-      </p:sp>
-      <p:sp>
-        <p:nvSpPr>
-          <p:cNvPr id="419" name="Google Shape;419;p58"/>
-          <p:cNvSpPr txBox="1"/>
-          <p:nvPr/>
-        </p:nvSpPr>
-        <p:spPr>
-          <a:xfrm>
-            <a:off x="548700" y="900500"/>
-            <a:ext cx="7694700" cy="1046700"/>
-          </a:xfrm>
-          <a:prstGeom prst="rect">
-            <a:avLst/>
-          </a:prstGeom>
-          <a:noFill/>
-          <a:ln>
-            <a:noFill/>
-          </a:ln>
-        </p:spPr>
-        <p:txBody>
-          <a:bodyPr anchorCtr="0" anchor="t" bIns="91425" lIns="91425" spcFirstLastPara="1" rIns="91425" wrap="square" tIns="91425">
-            <a:spAutoFit/>
-          </a:bodyPr>
-          <a:lstStyle/>
-          <a:p>
-            <a:pPr indent="-317500" lvl="0" marL="457200" rtl="0" algn="l">
-              <a:spcBef>
-                <a:spcPts val="0"/>
-              </a:spcBef>
-              <a:spcAft>
-                <a:spcPts val="0"/>
-              </a:spcAft>
-              <a:buSzPts val="1400"/>
-              <a:buChar char="❏"/>
-            </a:pPr>
-            <a:r>
-              <a:rPr lang="en"/>
-              <a:t>Standardized</a:t>
-            </a:r>
-            <a:endParaRPr/>
-          </a:p>
-          <a:p>
-            <a:pPr indent="-317500" lvl="0" marL="457200" rtl="0" algn="l">
-              <a:spcBef>
-                <a:spcPts val="0"/>
-              </a:spcBef>
-              <a:spcAft>
-                <a:spcPts val="0"/>
-              </a:spcAft>
-              <a:buSzPts val="1400"/>
-              <a:buChar char="❏"/>
-            </a:pPr>
-            <a:r>
-              <a:rPr lang="en"/>
-              <a:t>Min-Max</a:t>
-            </a:r>
-            <a:endParaRPr/>
-          </a:p>
-          <a:p>
-            <a:pPr indent="-317500" lvl="0" marL="457200" rtl="0" algn="l">
-              <a:spcBef>
-                <a:spcPts val="0"/>
-              </a:spcBef>
-              <a:spcAft>
-                <a:spcPts val="0"/>
-              </a:spcAft>
-              <a:buSzPts val="1400"/>
-              <a:buChar char="❏"/>
-            </a:pPr>
-            <a:r>
-              <a:rPr lang="en"/>
-              <a:t>Robust</a:t>
-            </a:r>
-            <a:endParaRPr/>
-          </a:p>
-          <a:p>
-            <a:pPr indent="-317500" lvl="0" marL="457200" rtl="0" algn="l">
-              <a:spcBef>
-                <a:spcPts val="0"/>
-              </a:spcBef>
-              <a:spcAft>
-                <a:spcPts val="0"/>
-              </a:spcAft>
-              <a:buSzPts val="1400"/>
-              <a:buChar char="❏"/>
-            </a:pPr>
-            <a:r>
-              <a:rPr lang="en"/>
-              <a:t>Binning</a:t>
-            </a:r>
             <a:endParaRPr/>
           </a:p>
         </p:txBody>
@@ -24612,7 +24579,7 @@
         </p:nvSpPr>
         <p:spPr>
           <a:xfrm>
-            <a:off x="405900" y="1821625"/>
+            <a:off x="405900" y="579225"/>
             <a:ext cx="8332200" cy="461700"/>
           </a:xfrm>
           <a:prstGeom prst="rect">
@@ -24647,7 +24614,7 @@
                 <a:cs typeface="Roboto"/>
                 <a:sym typeface="Roboto"/>
               </a:rPr>
-              <a:t>Which of the following is not feature engineering method?</a:t>
+              <a:t>Which of the following is not feature scaling method?</a:t>
             </a:r>
             <a:endParaRPr sz="1800">
               <a:latin typeface="Roboto"/>
@@ -24666,8 +24633,8 @@
         </p:nvSpPr>
         <p:spPr>
           <a:xfrm>
-            <a:off x="548700" y="2199288"/>
-            <a:ext cx="7694700" cy="1046700"/>
+            <a:off x="661900" y="1378950"/>
+            <a:ext cx="7143000" cy="400200"/>
           </a:xfrm>
           <a:prstGeom prst="rect">
             <a:avLst/>
@@ -24683,70 +24650,17 @@
           </a:bodyPr>
           <a:lstStyle/>
           <a:p>
-            <a:pPr indent="-317500" lvl="0" marL="457200" rtl="0" algn="l">
-              <a:spcBef>
-                <a:spcPts val="0"/>
-              </a:spcBef>
-              <a:spcAft>
-                <a:spcPts val="0"/>
-              </a:spcAft>
-              <a:buSzPts val="1400"/>
-              <a:buChar char="❏"/>
-            </a:pPr>
-            <a:r>
-              <a:rPr lang="en"/>
-              <a:t>Rounding</a:t>
-            </a:r>
-            <a:endParaRPr/>
-          </a:p>
-          <a:p>
-            <a:pPr indent="-317500" lvl="0" marL="457200" rtl="0" algn="l">
-              <a:spcBef>
-                <a:spcPts val="0"/>
-              </a:spcBef>
-              <a:spcAft>
-                <a:spcPts val="0"/>
-              </a:spcAft>
-              <a:buSzPts val="1400"/>
-              <a:buChar char="❏"/>
-            </a:pPr>
-            <a:r>
-              <a:rPr lang="en"/>
-              <a:t>Dummy encoding</a:t>
-            </a:r>
-            <a:endParaRPr/>
-          </a:p>
-          <a:p>
-            <a:pPr indent="-317500" lvl="0" marL="457200" rtl="0" algn="l">
-              <a:spcBef>
-                <a:spcPts val="0"/>
-              </a:spcBef>
-              <a:spcAft>
-                <a:spcPts val="0"/>
-              </a:spcAft>
-              <a:buSzPts val="1400"/>
-              <a:buChar char="❏"/>
-            </a:pPr>
-            <a:r>
-              <a:rPr lang="en"/>
-              <a:t>Quantization</a:t>
-            </a:r>
-            <a:endParaRPr/>
-          </a:p>
-          <a:p>
-            <a:pPr indent="-317500" lvl="0" marL="457200" rtl="0" algn="l">
-              <a:spcBef>
-                <a:spcPts val="0"/>
-              </a:spcBef>
-              <a:spcAft>
-                <a:spcPts val="0"/>
-              </a:spcAft>
-              <a:buSzPts val="1400"/>
-              <a:buChar char="❏"/>
-            </a:pPr>
-            <a:r>
-              <a:rPr lang="en"/>
-              <a:t>Feature hashing</a:t>
+            <a:pPr indent="0" lvl="0" marL="0" rtl="0" algn="l">
+              <a:spcBef>
+                <a:spcPts val="0"/>
+              </a:spcBef>
+              <a:spcAft>
+                <a:spcPts val="0"/>
+              </a:spcAft>
+              <a:buNone/>
+            </a:pPr>
+            <a:r>
+              <a:t/>
             </a:r>
             <a:endParaRPr/>
           </a:p>
@@ -24760,8 +24674,8 @@
         </p:nvSpPr>
         <p:spPr>
           <a:xfrm>
-            <a:off x="405900" y="3197025"/>
-            <a:ext cx="8584800" cy="461700"/>
+            <a:off x="548700" y="900500"/>
+            <a:ext cx="7694700" cy="1046700"/>
           </a:xfrm>
           <a:prstGeom prst="rect">
             <a:avLst/>
@@ -24777,32 +24691,72 @@
           </a:bodyPr>
           <a:lstStyle/>
           <a:p>
-            <a:pPr indent="-342900" lvl="0" marL="457200" rtl="0" algn="l">
-              <a:spcBef>
-                <a:spcPts val="0"/>
-              </a:spcBef>
-              <a:spcAft>
-                <a:spcPts val="0"/>
-              </a:spcAft>
-              <a:buSzPts val="1800"/>
-              <a:buFont typeface="Roboto"/>
-              <a:buChar char="●"/>
-            </a:pPr>
-            <a:r>
-              <a:rPr lang="en" sz="1800">
-                <a:latin typeface="Roboto"/>
-                <a:ea typeface="Roboto"/>
-                <a:cs typeface="Roboto"/>
-                <a:sym typeface="Roboto"/>
-              </a:rPr>
-              <a:t>Which of the following are feature selection strategies?</a:t>
-            </a:r>
-            <a:endParaRPr sz="1800">
-              <a:latin typeface="Roboto"/>
-              <a:ea typeface="Roboto"/>
-              <a:cs typeface="Roboto"/>
-              <a:sym typeface="Roboto"/>
-            </a:endParaRPr>
+            <a:pPr indent="-317500" lvl="0" marL="457200" rtl="0" algn="l">
+              <a:spcBef>
+                <a:spcPts val="0"/>
+              </a:spcBef>
+              <a:spcAft>
+                <a:spcPts val="0"/>
+              </a:spcAft>
+              <a:buSzPts val="1400"/>
+              <a:buChar char="❏"/>
+            </a:pPr>
+            <a:r>
+              <a:rPr lang="en"/>
+              <a:t>Standardized</a:t>
+            </a:r>
+            <a:endParaRPr/>
+          </a:p>
+          <a:p>
+            <a:pPr indent="-317500" lvl="0" marL="457200" rtl="0" algn="l">
+              <a:spcBef>
+                <a:spcPts val="0"/>
+              </a:spcBef>
+              <a:spcAft>
+                <a:spcPts val="0"/>
+              </a:spcAft>
+              <a:buSzPts val="1400"/>
+              <a:buChar char="❏"/>
+            </a:pPr>
+            <a:r>
+              <a:rPr lang="en"/>
+              <a:t>Min-Max</a:t>
+            </a:r>
+            <a:endParaRPr/>
+          </a:p>
+          <a:p>
+            <a:pPr indent="-317500" lvl="0" marL="457200" rtl="0" algn="l">
+              <a:spcBef>
+                <a:spcPts val="0"/>
+              </a:spcBef>
+              <a:spcAft>
+                <a:spcPts val="0"/>
+              </a:spcAft>
+              <a:buSzPts val="1400"/>
+              <a:buChar char="❏"/>
+            </a:pPr>
+            <a:r>
+              <a:rPr lang="en"/>
+              <a:t>Robust</a:t>
+            </a:r>
+            <a:endParaRPr/>
+          </a:p>
+          <a:p>
+            <a:pPr indent="-317500" lvl="0" marL="457200" rtl="0" algn="l">
+              <a:spcBef>
+                <a:spcPts val="0"/>
+              </a:spcBef>
+              <a:spcAft>
+                <a:spcPts val="0"/>
+              </a:spcAft>
+              <a:buSzPts val="1400"/>
+              <a:buChar char="❏"/>
+            </a:pPr>
+            <a:r>
+              <a:rPr lang="en"/>
+              <a:t>Binning</a:t>
+            </a:r>
+            <a:endParaRPr/>
           </a:p>
         </p:txBody>
       </p:sp>
@@ -24814,8 +24768,8 @@
         </p:nvSpPr>
         <p:spPr>
           <a:xfrm>
-            <a:off x="548700" y="3545488"/>
-            <a:ext cx="7694700" cy="1046700"/>
+            <a:off x="405900" y="1821625"/>
+            <a:ext cx="8332200" cy="461700"/>
           </a:xfrm>
           <a:prstGeom prst="rect">
             <a:avLst/>
@@ -24831,72 +24785,32 @@
           </a:bodyPr>
           <a:lstStyle/>
           <a:p>
-            <a:pPr indent="-317500" lvl="0" marL="457200" rtl="0" algn="l">
-              <a:spcBef>
-                <a:spcPts val="0"/>
-              </a:spcBef>
-              <a:spcAft>
-                <a:spcPts val="0"/>
-              </a:spcAft>
-              <a:buSzPts val="1400"/>
-              <a:buChar char="❏"/>
-            </a:pPr>
-            <a:r>
-              <a:rPr lang="en"/>
-              <a:t>Filter method</a:t>
-            </a:r>
-            <a:endParaRPr/>
-          </a:p>
-          <a:p>
-            <a:pPr indent="-317500" lvl="0" marL="457200" rtl="0" algn="l">
-              <a:spcBef>
-                <a:spcPts val="0"/>
-              </a:spcBef>
-              <a:spcAft>
-                <a:spcPts val="0"/>
-              </a:spcAft>
-              <a:buSzPts val="1400"/>
-              <a:buChar char="❏"/>
-            </a:pPr>
-            <a:r>
-              <a:rPr lang="en"/>
-              <a:t>Wrapper method</a:t>
-            </a:r>
-            <a:endParaRPr/>
-          </a:p>
-          <a:p>
-            <a:pPr indent="-317500" lvl="0" marL="457200" rtl="0" algn="l">
-              <a:spcBef>
-                <a:spcPts val="0"/>
-              </a:spcBef>
-              <a:spcAft>
-                <a:spcPts val="0"/>
-              </a:spcAft>
-              <a:buSzPts val="1400"/>
-              <a:buChar char="❏"/>
-            </a:pPr>
-            <a:r>
-              <a:rPr lang="en"/>
-              <a:t>Embedded method</a:t>
-            </a:r>
-            <a:endParaRPr/>
-          </a:p>
-          <a:p>
-            <a:pPr indent="-317500" lvl="0" marL="457200" rtl="0" algn="l">
-              <a:spcBef>
-                <a:spcPts val="0"/>
-              </a:spcBef>
-              <a:spcAft>
-                <a:spcPts val="0"/>
-              </a:spcAft>
-              <a:buSzPts val="1400"/>
-              <a:buChar char="❏"/>
-            </a:pPr>
-            <a:r>
-              <a:rPr lang="en"/>
-              <a:t>All of the above</a:t>
-            </a:r>
-            <a:endParaRPr/>
+            <a:pPr indent="-342900" lvl="0" marL="457200" rtl="0" algn="l">
+              <a:spcBef>
+                <a:spcPts val="0"/>
+              </a:spcBef>
+              <a:spcAft>
+                <a:spcPts val="0"/>
+              </a:spcAft>
+              <a:buSzPts val="1800"/>
+              <a:buFont typeface="Roboto"/>
+              <a:buChar char="●"/>
+            </a:pPr>
+            <a:r>
+              <a:rPr lang="en" sz="1800">
+                <a:latin typeface="Roboto"/>
+                <a:ea typeface="Roboto"/>
+                <a:cs typeface="Roboto"/>
+                <a:sym typeface="Roboto"/>
+              </a:rPr>
+              <a:t>Which of the following is not feature engineering method?</a:t>
+            </a:r>
+            <a:endParaRPr sz="1800">
+              <a:latin typeface="Roboto"/>
+              <a:ea typeface="Roboto"/>
+              <a:cs typeface="Roboto"/>
+              <a:sym typeface="Roboto"/>
+            </a:endParaRPr>
           </a:p>
         </p:txBody>
       </p:sp>
@@ -24908,8 +24822,8 @@
         </p:nvSpPr>
         <p:spPr>
           <a:xfrm>
-            <a:off x="661900" y="1499600"/>
-            <a:ext cx="427500" cy="400200"/>
+            <a:off x="548700" y="2199288"/>
+            <a:ext cx="7694700" cy="1046700"/>
           </a:xfrm>
           <a:prstGeom prst="rect">
             <a:avLst/>
@@ -24925,18 +24839,70 @@
           </a:bodyPr>
           <a:lstStyle/>
           <a:p>
-            <a:pPr indent="0" lvl="0" marL="0" rtl="0" algn="l">
-              <a:spcBef>
-                <a:spcPts val="0"/>
-              </a:spcBef>
-              <a:spcAft>
-                <a:spcPts val="0"/>
-              </a:spcAft>
-              <a:buNone/>
+            <a:pPr indent="-317500" lvl="0" marL="457200" rtl="0" algn="l">
+              <a:spcBef>
+                <a:spcPts val="0"/>
+              </a:spcBef>
+              <a:spcAft>
+                <a:spcPts val="0"/>
+              </a:spcAft>
+              <a:buSzPts val="1400"/>
+              <a:buChar char="❏"/>
             </a:pPr>
             <a:r>
               <a:rPr lang="en"/>
-              <a:t>✔</a:t>
+              <a:t>Rounding</a:t>
+            </a:r>
+            <a:endParaRPr/>
+          </a:p>
+          <a:p>
+            <a:pPr indent="-317500" lvl="0" marL="457200" rtl="0" algn="l">
+              <a:spcBef>
+                <a:spcPts val="0"/>
+              </a:spcBef>
+              <a:spcAft>
+                <a:spcPts val="0"/>
+              </a:spcAft>
+              <a:buSzPts val="1400"/>
+              <a:buChar char="❏"/>
+            </a:pPr>
+            <a:r>
+              <a:rPr lang="en"/>
+              <a:t>Dummy encoding</a:t>
+            </a:r>
+            <a:endParaRPr/>
+          </a:p>
+          <a:p>
+            <a:pPr indent="-317500" lvl="0" marL="457200" rtl="0" algn="l">
+              <a:spcBef>
+                <a:spcPts val="0"/>
+              </a:spcBef>
+              <a:spcAft>
+                <a:spcPts val="0"/>
+              </a:spcAft>
+              <a:buSzPts val="1400"/>
+              <a:buChar char="❏"/>
+            </a:pPr>
+            <a:r>
+              <a:rPr lang="en"/>
+              <a:t>Quantization</a:t>
+            </a:r>
+            <a:endParaRPr/>
+          </a:p>
+          <a:p>
+            <a:pPr indent="-317500" lvl="0" marL="457200" rtl="0" algn="l">
+              <a:spcBef>
+                <a:spcPts val="0"/>
+              </a:spcBef>
+              <a:spcAft>
+                <a:spcPts val="0"/>
+              </a:spcAft>
+              <a:buSzPts val="1400"/>
+              <a:buChar char="❏"/>
+            </a:pPr>
+            <a:r>
+              <a:rPr lang="en"/>
+              <a:t>Feature hashing</a:t>
             </a:r>
             <a:endParaRPr/>
           </a:p>
@@ -24950,8 +24916,8 @@
         </p:nvSpPr>
         <p:spPr>
           <a:xfrm>
-            <a:off x="661900" y="2606550"/>
-            <a:ext cx="427500" cy="400200"/>
+            <a:off x="405900" y="3197025"/>
+            <a:ext cx="8584800" cy="461700"/>
           </a:xfrm>
           <a:prstGeom prst="rect">
             <a:avLst/>
@@ -24967,20 +24933,32 @@
           </a:bodyPr>
           <a:lstStyle/>
           <a:p>
-            <a:pPr indent="0" lvl="0" marL="0" rtl="0" algn="l">
-              <a:spcBef>
-                <a:spcPts val="0"/>
-              </a:spcBef>
-              <a:spcAft>
-                <a:spcPts val="0"/>
-              </a:spcAft>
-              <a:buNone/>
-            </a:pPr>
-            <a:r>
-              <a:rPr lang="en"/>
-              <a:t>✔</a:t>
-            </a:r>
-            <a:endParaRPr/>
+            <a:pPr indent="-342900" lvl="0" marL="457200" rtl="0" algn="l">
+              <a:spcBef>
+                <a:spcPts val="0"/>
+              </a:spcBef>
+              <a:spcAft>
+                <a:spcPts val="0"/>
+              </a:spcAft>
+              <a:buSzPts val="1800"/>
+              <a:buFont typeface="Roboto"/>
+              <a:buChar char="●"/>
+            </a:pPr>
+            <a:r>
+              <a:rPr lang="en" sz="1800">
+                <a:latin typeface="Roboto"/>
+                <a:ea typeface="Roboto"/>
+                <a:cs typeface="Roboto"/>
+                <a:sym typeface="Roboto"/>
+              </a:rPr>
+              <a:t>Which of the following are feature selection strategies?</a:t>
+            </a:r>
+            <a:endParaRPr sz="1800">
+              <a:latin typeface="Roboto"/>
+              <a:ea typeface="Roboto"/>
+              <a:cs typeface="Roboto"/>
+              <a:sym typeface="Roboto"/>
+            </a:endParaRPr>
           </a:p>
         </p:txBody>
       </p:sp>
@@ -24992,8 +24970,8 @@
         </p:nvSpPr>
         <p:spPr>
           <a:xfrm>
-            <a:off x="661900" y="4172200"/>
-            <a:ext cx="427500" cy="400200"/>
+            <a:off x="548700" y="3545488"/>
+            <a:ext cx="7694700" cy="1046700"/>
           </a:xfrm>
           <a:prstGeom prst="rect">
             <a:avLst/>
@@ -25009,18 +24987,70 @@
           </a:bodyPr>
           <a:lstStyle/>
           <a:p>
-            <a:pPr indent="0" lvl="0" marL="0" rtl="0" algn="l">
-              <a:spcBef>
-                <a:spcPts val="0"/>
-              </a:spcBef>
-              <a:spcAft>
-                <a:spcPts val="0"/>
-              </a:spcAft>
-              <a:buNone/>
+            <a:pPr indent="-317500" lvl="0" marL="457200" rtl="0" algn="l">
+              <a:spcBef>
+                <a:spcPts val="0"/>
+              </a:spcBef>
+              <a:spcAft>
+                <a:spcPts val="0"/>
+              </a:spcAft>
+              <a:buSzPts val="1400"/>
+              <a:buChar char="❏"/>
             </a:pPr>
             <a:r>
               <a:rPr lang="en"/>
-              <a:t>✔</a:t>
+              <a:t>Filter method</a:t>
+            </a:r>
+            <a:endParaRPr/>
+          </a:p>
+          <a:p>
+            <a:pPr indent="-317500" lvl="0" marL="457200" rtl="0" algn="l">
+              <a:spcBef>
+                <a:spcPts val="0"/>
+              </a:spcBef>
+              <a:spcAft>
+                <a:spcPts val="0"/>
+              </a:spcAft>
+              <a:buSzPts val="1400"/>
+              <a:buChar char="❏"/>
+            </a:pPr>
+            <a:r>
+              <a:rPr lang="en"/>
+              <a:t>Wrapper method</a:t>
+            </a:r>
+            <a:endParaRPr/>
+          </a:p>
+          <a:p>
+            <a:pPr indent="-317500" lvl="0" marL="457200" rtl="0" algn="l">
+              <a:spcBef>
+                <a:spcPts val="0"/>
+              </a:spcBef>
+              <a:spcAft>
+                <a:spcPts val="0"/>
+              </a:spcAft>
+              <a:buSzPts val="1400"/>
+              <a:buChar char="❏"/>
+            </a:pPr>
+            <a:r>
+              <a:rPr lang="en"/>
+              <a:t>Embedded method</a:t>
+            </a:r>
+            <a:endParaRPr/>
+          </a:p>
+          <a:p>
+            <a:pPr indent="-317500" lvl="0" marL="457200" rtl="0" algn="l">
+              <a:spcBef>
+                <a:spcPts val="0"/>
+              </a:spcBef>
+              <a:spcAft>
+                <a:spcPts val="0"/>
+              </a:spcAft>
+              <a:buSzPts val="1400"/>
+              <a:buChar char="❏"/>
+            </a:pPr>
+            <a:r>
+              <a:rPr lang="en"/>
+              <a:t>All of the above</a:t>
             </a:r>
             <a:endParaRPr/>
           </a:p>
@@ -25034,6 +25064,132 @@
         </p:nvSpPr>
         <p:spPr>
           <a:xfrm>
+            <a:off x="661900" y="1499600"/>
+            <a:ext cx="427500" cy="400200"/>
+          </a:xfrm>
+          <a:prstGeom prst="rect">
+            <a:avLst/>
+          </a:prstGeom>
+          <a:noFill/>
+          <a:ln>
+            <a:noFill/>
+          </a:ln>
+        </p:spPr>
+        <p:txBody>
+          <a:bodyPr anchorCtr="0" anchor="t" bIns="91425" lIns="91425" spcFirstLastPara="1" rIns="91425" wrap="square" tIns="91425">
+            <a:spAutoFit/>
+          </a:bodyPr>
+          <a:lstStyle/>
+          <a:p>
+            <a:pPr indent="0" lvl="0" marL="0" rtl="0" algn="l">
+              <a:spcBef>
+                <a:spcPts val="0"/>
+              </a:spcBef>
+              <a:spcAft>
+                <a:spcPts val="0"/>
+              </a:spcAft>
+              <a:buNone/>
+            </a:pPr>
+            <a:r>
+              <a:rPr lang="en"/>
+              <a:t>✔</a:t>
+            </a:r>
+            <a:endParaRPr/>
+          </a:p>
+        </p:txBody>
+      </p:sp>
+      <p:sp>
+        <p:nvSpPr>
+          <p:cNvPr id="428" name="Google Shape;428;p58"/>
+          <p:cNvSpPr txBox="1"/>
+          <p:nvPr/>
+        </p:nvSpPr>
+        <p:spPr>
+          <a:xfrm>
+            <a:off x="661900" y="2606550"/>
+            <a:ext cx="427500" cy="400200"/>
+          </a:xfrm>
+          <a:prstGeom prst="rect">
+            <a:avLst/>
+          </a:prstGeom>
+          <a:noFill/>
+          <a:ln>
+            <a:noFill/>
+          </a:ln>
+        </p:spPr>
+        <p:txBody>
+          <a:bodyPr anchorCtr="0" anchor="t" bIns="91425" lIns="91425" spcFirstLastPara="1" rIns="91425" wrap="square" tIns="91425">
+            <a:spAutoFit/>
+          </a:bodyPr>
+          <a:lstStyle/>
+          <a:p>
+            <a:pPr indent="0" lvl="0" marL="0" rtl="0" algn="l">
+              <a:spcBef>
+                <a:spcPts val="0"/>
+              </a:spcBef>
+              <a:spcAft>
+                <a:spcPts val="0"/>
+              </a:spcAft>
+              <a:buNone/>
+            </a:pPr>
+            <a:r>
+              <a:rPr lang="en"/>
+              <a:t>✔</a:t>
+            </a:r>
+            <a:endParaRPr/>
+          </a:p>
+        </p:txBody>
+      </p:sp>
+      <p:sp>
+        <p:nvSpPr>
+          <p:cNvPr id="429" name="Google Shape;429;p58"/>
+          <p:cNvSpPr txBox="1"/>
+          <p:nvPr/>
+        </p:nvSpPr>
+        <p:spPr>
+          <a:xfrm>
+            <a:off x="661900" y="4172200"/>
+            <a:ext cx="427500" cy="400200"/>
+          </a:xfrm>
+          <a:prstGeom prst="rect">
+            <a:avLst/>
+          </a:prstGeom>
+          <a:noFill/>
+          <a:ln>
+            <a:noFill/>
+          </a:ln>
+        </p:spPr>
+        <p:txBody>
+          <a:bodyPr anchorCtr="0" anchor="t" bIns="91425" lIns="91425" spcFirstLastPara="1" rIns="91425" wrap="square" tIns="91425">
+            <a:spAutoFit/>
+          </a:bodyPr>
+          <a:lstStyle/>
+          <a:p>
+            <a:pPr indent="0" lvl="0" marL="0" rtl="0" algn="l">
+              <a:spcBef>
+                <a:spcPts val="0"/>
+              </a:spcBef>
+              <a:spcAft>
+                <a:spcPts val="0"/>
+              </a:spcAft>
+              <a:buNone/>
+            </a:pPr>
+            <a:r>
+              <a:rPr lang="en"/>
+              <a:t>✔</a:t>
+            </a:r>
+            <a:endParaRPr/>
+          </a:p>
+        </p:txBody>
+      </p:sp>
+      <p:sp>
+        <p:nvSpPr>
+          <p:cNvPr id="430" name="Google Shape;430;p58"/>
+          <p:cNvSpPr txBox="1"/>
+          <p:nvPr/>
+        </p:nvSpPr>
+        <p:spPr>
+          <a:xfrm>
             <a:off x="4476950" y="4154800"/>
             <a:ext cx="3543900" cy="400200"/>
           </a:xfrm>
@@ -25079,7 +25235,7 @@
       </p:sp>
       <p:pic>
         <p:nvPicPr>
-          <p:cNvPr id="428" name="Google Shape;428;p58"/>
+          <p:cNvPr id="431" name="Google Shape;431;p58"/>
           <p:cNvPicPr preferRelativeResize="0"/>
           <p:nvPr/>
         </p:nvPicPr>
@@ -25144,7 +25300,7 @@
                                           </p:stCondLst>
                                         </p:cTn>
                                         <p:tgtEl>
-                                          <p:spTgt spid="424"/>
+                                          <p:spTgt spid="427"/>
                                         </p:tgtEl>
                                         <p:attrNameLst>
                                           <p:attrName>style.visibility</p:attrName>
@@ -25158,7 +25314,7 @@
                                       <p:cBhvr>
                                         <p:cTn dur="1000"/>
                                         <p:tgtEl>
-                                          <p:spTgt spid="424"/>
+                                          <p:spTgt spid="427"/>
                                         </p:tgtEl>
                                       </p:cBhvr>
                                     </p:animEffect>
@@ -25197,7 +25353,7 @@
                                           </p:stCondLst>
                                         </p:cTn>
                                         <p:tgtEl>
-                                          <p:spTgt spid="425"/>
+                                          <p:spTgt spid="428"/>
                                         </p:tgtEl>
                                         <p:attrNameLst>
                                           <p:attrName>style.visibility</p:attrName>
@@ -25211,7 +25367,7 @@
                                       <p:cBhvr>
                                         <p:cTn dur="1000"/>
                                         <p:tgtEl>
-                                          <p:spTgt spid="425"/>
+                                          <p:spTgt spid="428"/>
                                         </p:tgtEl>
                                       </p:cBhvr>
                                     </p:animEffect>
@@ -25250,7 +25406,7 @@
                                           </p:stCondLst>
                                         </p:cTn>
                                         <p:tgtEl>
-                                          <p:spTgt spid="426"/>
+                                          <p:spTgt spid="429"/>
                                         </p:tgtEl>
                                         <p:attrNameLst>
                                           <p:attrName>style.visibility</p:attrName>
@@ -25264,7 +25420,7 @@
                                       <p:cBhvr>
                                         <p:cTn dur="1000"/>
                                         <p:tgtEl>
-                                          <p:spTgt spid="426"/>
+                                          <p:spTgt spid="429"/>
                                         </p:tgtEl>
                                       </p:cBhvr>
                                     </p:animEffect>
@@ -25307,7 +25463,7 @@
   <p:cSld>
     <p:spTree>
       <p:nvGrpSpPr>
-        <p:cNvPr id="432" name="Shape 432"/>
+        <p:cNvPr id="435" name="Shape 435"/>
         <p:cNvGrpSpPr/>
         <p:nvPr/>
       </p:nvGrpSpPr>
@@ -25321,7 +25477,7 @@
       </p:grpSpPr>
       <p:pic>
         <p:nvPicPr>
-          <p:cNvPr id="433" name="Google Shape;433;p59"/>
+          <p:cNvPr id="436" name="Google Shape;436;p59"/>
           <p:cNvPicPr preferRelativeResize="0"/>
           <p:nvPr/>
         </p:nvPicPr>
@@ -25349,7 +25505,7 @@
       </p:pic>
       <p:sp>
         <p:nvSpPr>
-          <p:cNvPr id="434" name="Google Shape;434;p59"/>
+          <p:cNvPr id="437" name="Google Shape;437;p59"/>
           <p:cNvSpPr txBox="1"/>
           <p:nvPr>
             <p:ph type="title"/>
@@ -25397,7 +25553,7 @@
       </p:sp>
       <p:sp>
         <p:nvSpPr>
-          <p:cNvPr id="435" name="Google Shape;435;p59"/>
+          <p:cNvPr id="438" name="Google Shape;438;p59"/>
           <p:cNvSpPr txBox="1"/>
           <p:nvPr/>
         </p:nvSpPr>
@@ -25443,7 +25599,7 @@
       </p:sp>
       <p:sp>
         <p:nvSpPr>
-          <p:cNvPr id="436" name="Google Shape;436;p59"/>
+          <p:cNvPr id="439" name="Google Shape;439;p59"/>
           <p:cNvSpPr txBox="1"/>
           <p:nvPr>
             <p:ph idx="12" type="sldNum"/>
@@ -25499,7 +25655,7 @@
       </p:sp>
       <p:pic>
         <p:nvPicPr>
-          <p:cNvPr id="437" name="Google Shape;437;p59"/>
+          <p:cNvPr id="440" name="Google Shape;440;p59"/>
           <p:cNvPicPr preferRelativeResize="0"/>
           <p:nvPr/>
         </p:nvPicPr>
@@ -27052,7 +27208,7 @@
             <a:tbl>
               <a:tblPr>
                 <a:noFill/>
-                <a:tableStyleId>{FDD13DFB-4C81-4460-8A08-C0B3630F27D6}</a:tableStyleId>
+                <a:tableStyleId>{F70AE71F-D8D0-454B-98A1-071AB84DFB8F}</a:tableStyleId>
               </a:tblPr>
               <a:tblGrid>
                 <a:gridCol w="2476175"/>
@@ -28498,9 +28654,9 @@
 </file>
 
 <file path=ppt/theme/theme1.xml><?xml version="1.0" encoding="utf-8"?>
-<a:theme xmlns:a="http://schemas.openxmlformats.org/drawingml/2006/main" xmlns:r="http://schemas.openxmlformats.org/officeDocument/2006/relationships">
+<a:theme xmlns:a="http://schemas.openxmlformats.org/drawingml/2006/main" xmlns:r="http://schemas.openxmlformats.org/officeDocument/2006/relationships" name="Simple Light">
   <a:themeElements>
-    <a:clrScheme name="Default">
+    <a:clrScheme name="Simple Light">
       <a:dk1>
         <a:srgbClr val="000000"/>
       </a:dk1>
@@ -28508,34 +28664,34 @@
         <a:srgbClr val="FFFFFF"/>
       </a:lt1>
       <a:dk2>
-        <a:srgbClr val="158158"/>
+        <a:srgbClr val="595959"/>
       </a:dk2>
       <a:lt2>
-        <a:srgbClr val="F3F3F3"/>
+        <a:srgbClr val="EEEEEE"/>
       </a:lt2>
       <a:accent1>
-        <a:srgbClr val="058DC7"/>
+        <a:srgbClr val="4285F4"/>
       </a:accent1>
       <a:accent2>
-        <a:srgbClr val="50B432"/>
+        <a:srgbClr val="212121"/>
       </a:accent2>
       <a:accent3>
-        <a:srgbClr val="ED561B"/>
+        <a:srgbClr val="78909C"/>
       </a:accent3>
       <a:accent4>
-        <a:srgbClr val="EDEF00"/>
+        <a:srgbClr val="FFAB40"/>
       </a:accent4>
       <a:accent5>
-        <a:srgbClr val="24CBE5"/>
+        <a:srgbClr val="0097A7"/>
       </a:accent5>
       <a:accent6>
-        <a:srgbClr val="64E572"/>
+        <a:srgbClr val="EEFF41"/>
       </a:accent6>
       <a:hlink>
-        <a:srgbClr val="2200CC"/>
+        <a:srgbClr val="0097A7"/>
       </a:hlink>
       <a:folHlink>
-        <a:srgbClr val="551A8B"/>
+        <a:srgbClr val="0097A7"/>
       </a:folHlink>
     </a:clrScheme>
     <a:fontScheme name="Office">
@@ -28777,9 +28933,9 @@
 </file>
 
 <file path=ppt/theme/theme2.xml><?xml version="1.0" encoding="utf-8"?>
-<a:theme xmlns:a="http://schemas.openxmlformats.org/drawingml/2006/main" xmlns:r="http://schemas.openxmlformats.org/officeDocument/2006/relationships" name="Simple Light">
+<a:theme xmlns:a="http://schemas.openxmlformats.org/drawingml/2006/main" xmlns:r="http://schemas.openxmlformats.org/officeDocument/2006/relationships">
   <a:themeElements>
-    <a:clrScheme name="Simple Light">
+    <a:clrScheme name="Default">
       <a:dk1>
         <a:srgbClr val="000000"/>
       </a:dk1>
@@ -28787,34 +28943,34 @@
         <a:srgbClr val="FFFFFF"/>
       </a:lt1>
       <a:dk2>
-        <a:srgbClr val="595959"/>
+        <a:srgbClr val="158158"/>
       </a:dk2>
       <a:lt2>
-        <a:srgbClr val="EEEEEE"/>
+        <a:srgbClr val="F3F3F3"/>
       </a:lt2>
       <a:accent1>
-        <a:srgbClr val="4285F4"/>
+        <a:srgbClr val="058DC7"/>
       </a:accent1>
       <a:accent2>
-        <a:srgbClr val="212121"/>
+        <a:srgbClr val="50B432"/>
       </a:accent2>
       <a:accent3>
-        <a:srgbClr val="78909C"/>
+        <a:srgbClr val="ED561B"/>
       </a:accent3>
       <a:accent4>
-        <a:srgbClr val="FFAB40"/>
+        <a:srgbClr val="EDEF00"/>
       </a:accent4>
       <a:accent5>
-        <a:srgbClr val="0097A7"/>
+        <a:srgbClr val="24CBE5"/>
       </a:accent5>
       <a:accent6>
-        <a:srgbClr val="EEFF41"/>
+        <a:srgbClr val="64E572"/>
       </a:accent6>
       <a:hlink>
-        <a:srgbClr val="0097A7"/>
+        <a:srgbClr val="2200CC"/>
       </a:hlink>
       <a:folHlink>
-        <a:srgbClr val="0097A7"/>
+        <a:srgbClr val="551A8B"/>
       </a:folHlink>
     </a:clrScheme>
     <a:fontScheme name="Office">

--- a/Day_3/Lectures/Day_3_Lecture_Feature_Engineering_Scaling_Selection.pptx
+++ b/Day_3/Lectures/Day_3_Lecture_Feature_Engineering_Scaling_Selection.pptx
@@ -27208,7 +27208,7 @@
             <a:tbl>
               <a:tblPr>
                 <a:noFill/>
-                <a:tableStyleId>{F70AE71F-D8D0-454B-98A1-071AB84DFB8F}</a:tableStyleId>
+                <a:tableStyleId>{983751C7-322A-4DFA-A234-A871C90D7B96}</a:tableStyleId>
               </a:tblPr>
               <a:tblGrid>
                 <a:gridCol w="2476175"/>

--- a/Day_3/Lectures/Day_3_Lecture_Feature_Engineering_Scaling_Selection.pptx
+++ b/Day_3/Lectures/Day_3_Lecture_Feature_Engineering_Scaling_Selection.pptx
@@ -27208,7 +27208,7 @@
             <a:tbl>
               <a:tblPr>
                 <a:noFill/>
-                <a:tableStyleId>{983751C7-322A-4DFA-A234-A871C90D7B96}</a:tableStyleId>
+                <a:tableStyleId>{EF2BF6E6-B2D5-4490-91C1-80DE0CE7D1D0}</a:tableStyleId>
               </a:tblPr>
               <a:tblGrid>
                 <a:gridCol w="2476175"/>

--- a/Day_3/Lectures/Day_3_Lecture_Feature_Engineering_Scaling_Selection.pptx
+++ b/Day_3/Lectures/Day_3_Lecture_Feature_Engineering_Scaling_Selection.pptx
@@ -4355,7 +4355,7 @@
       </p:grpSpPr>
       <p:sp>
         <p:nvSpPr>
-          <p:cNvPr id="447" name="Google Shape;447;g11ba4d756e5_0_0:notes"/>
+          <p:cNvPr id="447" name="Google Shape;447;g11fd74b840e_1_0:notes"/>
           <p:cNvSpPr/>
           <p:nvPr>
             <p:ph idx="2" type="sldImg"/>
@@ -4390,7 +4390,7 @@
       </p:sp>
       <p:sp>
         <p:nvSpPr>
-          <p:cNvPr id="448" name="Google Shape;448;g11ba4d756e5_0_0:notes"/>
+          <p:cNvPr id="448" name="Google Shape;448;g11fd74b840e_1_0:notes"/>
           <p:cNvSpPr txBox="1"/>
           <p:nvPr>
             <p:ph idx="1" type="body"/>
@@ -15757,7 +15757,7 @@
             <a:tbl>
               <a:tblPr>
                 <a:noFill/>
-                <a:tableStyleId>{8EA99435-CF19-4A0E-8167-C69C0BE71163}</a:tableStyleId>
+                <a:tableStyleId>{8872EBF6-F5D7-46F7-8B6D-E7110326AFF7}</a:tableStyleId>
               </a:tblPr>
               <a:tblGrid>
                 <a:gridCol w="2476175"/>
@@ -29550,7 +29550,7 @@
         <p:spPr>
           <a:xfrm>
             <a:off x="474750" y="517650"/>
-            <a:ext cx="8194500" cy="3879000"/>
+            <a:ext cx="8194500" cy="3648000"/>
           </a:xfrm>
           <a:prstGeom prst="rect">
             <a:avLst/>
@@ -29715,23 +29715,6 @@
             <a:r>
               <a:rPr lang="en" sz="1500"/>
               <a:t>It is often infeasible or intractable to simply collect more samples from the domain to improve the class distribution.</a:t>
-            </a:r>
-            <a:endParaRPr sz="1500"/>
-          </a:p>
-          <a:p>
-            <a:pPr indent="-323850" lvl="2" marL="1371600" rtl="0" algn="l">
-              <a:spcBef>
-                <a:spcPts val="0"/>
-              </a:spcBef>
-              <a:spcAft>
-                <a:spcPts val="0"/>
-              </a:spcAft>
-              <a:buSzPts val="1500"/>
-              <a:buChar char="■"/>
-            </a:pPr>
-            <a:r>
-              <a:rPr lang="en" sz="1500"/>
-              <a:t>Instead, a model is required to learn the difference between the classes.</a:t>
             </a:r>
             <a:endParaRPr sz="1500"/>
           </a:p>
@@ -29896,7 +29879,7 @@
         <p:spPr>
           <a:xfrm>
             <a:off x="474750" y="401400"/>
-            <a:ext cx="8194500" cy="4340700"/>
+            <a:ext cx="8194500" cy="3879000"/>
           </a:xfrm>
           <a:prstGeom prst="rect">
             <a:avLst/>
@@ -30009,40 +29992,6 @@
             <a:r>
               <a:rPr lang="en" sz="1500"/>
               <a:t>Oversampling: increasing the size of rare samples.</a:t>
-            </a:r>
-            <a:endParaRPr sz="1500"/>
-          </a:p>
-          <a:p>
-            <a:pPr indent="-323850" lvl="0" marL="457200" rtl="0" algn="l">
-              <a:spcBef>
-                <a:spcPts val="0"/>
-              </a:spcBef>
-              <a:spcAft>
-                <a:spcPts val="0"/>
-              </a:spcAft>
-              <a:buSzPts val="1500"/>
-              <a:buChar char="●"/>
-            </a:pPr>
-            <a:r>
-              <a:rPr lang="en" sz="1500"/>
-              <a:t>Use K-fold cross validation in the right way</a:t>
-            </a:r>
-            <a:endParaRPr sz="1500"/>
-          </a:p>
-          <a:p>
-            <a:pPr indent="-323850" lvl="1" marL="914400" rtl="0" algn="l">
-              <a:spcBef>
-                <a:spcPts val="0"/>
-              </a:spcBef>
-              <a:spcAft>
-                <a:spcPts val="0"/>
-              </a:spcAft>
-              <a:buSzPts val="1500"/>
-              <a:buChar char="○"/>
-            </a:pPr>
-            <a:r>
-              <a:rPr lang="en" sz="1500"/>
-              <a:t>Cross validation should always be done before over-sampling the data.</a:t>
             </a:r>
             <a:endParaRPr sz="1500"/>
           </a:p>
@@ -30343,7 +30292,7 @@
         <p:spPr>
           <a:xfrm>
             <a:off x="311700" y="401400"/>
-            <a:ext cx="8520600" cy="4109700"/>
+            <a:ext cx="8520600" cy="3879000"/>
           </a:xfrm>
           <a:prstGeom prst="rect">
             <a:avLst/>
@@ -30406,23 +30355,6 @@
             <a:r>
               <a:rPr lang="en" sz="1500"/>
               <a:t>It is fundamental to the field of machine learning.</a:t>
-            </a:r>
-            <a:endParaRPr sz="1500"/>
-          </a:p>
-          <a:p>
-            <a:pPr indent="-323850" lvl="1" marL="914400" rtl="0" algn="l">
-              <a:spcBef>
-                <a:spcPts val="0"/>
-              </a:spcBef>
-              <a:spcAft>
-                <a:spcPts val="0"/>
-              </a:spcAft>
-              <a:buSzPts val="1500"/>
-              <a:buChar char="○"/>
-            </a:pPr>
-            <a:r>
-              <a:rPr lang="en" sz="1500"/>
-              <a:t>Is the biggest source of difficulty for beginners, especially developers.</a:t>
             </a:r>
             <a:endParaRPr sz="1500"/>
           </a:p>
@@ -30540,7 +30472,7 @@
             </a:pPr>
             <a:r>
               <a:rPr lang="en" sz="1500"/>
-              <a:t>noisy observations, probability and statistics help us to understand and quantify the expected value, variability, of variables in our observations from the domain.</a:t>
+              <a:t>noisy observations, probability and statistics help us to understand and quantify the expected value, variability in our observations from the domain.</a:t>
             </a:r>
             <a:endParaRPr sz="1500"/>
           </a:p>
